--- a/documents/Nhom_F.pptx
+++ b/documents/Nhom_F.pptx
@@ -8,11 +8,16 @@
     <p:sldId id="256" r:id="rId2"/>
     <p:sldId id="273" r:id="rId3"/>
     <p:sldId id="277" r:id="rId4"/>
-    <p:sldId id="278" r:id="rId5"/>
-    <p:sldId id="275" r:id="rId6"/>
-    <p:sldId id="276" r:id="rId7"/>
-    <p:sldId id="279" r:id="rId8"/>
-    <p:sldId id="272" r:id="rId9"/>
+    <p:sldId id="284" r:id="rId5"/>
+    <p:sldId id="278" r:id="rId6"/>
+    <p:sldId id="275" r:id="rId7"/>
+    <p:sldId id="276" r:id="rId8"/>
+    <p:sldId id="279" r:id="rId9"/>
+    <p:sldId id="281" r:id="rId10"/>
+    <p:sldId id="282" r:id="rId11"/>
+    <p:sldId id="280" r:id="rId12"/>
+    <p:sldId id="283" r:id="rId13"/>
+    <p:sldId id="272" r:id="rId14"/>
   </p:sldIdLst>
   <p:sldSz cx="12192000" cy="6858000"/>
   <p:notesSz cx="6858000" cy="9144000"/>
@@ -261,7 +266,7 @@
           <a:p>
             <a:fld id="{8873C7B1-4E19-41E7-A13F-CD1C6F85078B}" type="datetimeFigureOut">
               <a:rPr lang="en-US" smtClean="0"/>
-              <a:t>05/17/18</a:t>
+              <a:t>05/18/18</a:t>
             </a:fld>
             <a:endParaRPr lang="en-US"/>
           </a:p>
@@ -431,7 +436,7 @@
           <a:p>
             <a:fld id="{8873C7B1-4E19-41E7-A13F-CD1C6F85078B}" type="datetimeFigureOut">
               <a:rPr lang="en-US" smtClean="0"/>
-              <a:t>05/17/18</a:t>
+              <a:t>05/18/18</a:t>
             </a:fld>
             <a:endParaRPr lang="en-US"/>
           </a:p>
@@ -611,7 +616,7 @@
           <a:p>
             <a:fld id="{8873C7B1-4E19-41E7-A13F-CD1C6F85078B}" type="datetimeFigureOut">
               <a:rPr lang="en-US" smtClean="0"/>
-              <a:t>05/17/18</a:t>
+              <a:t>05/18/18</a:t>
             </a:fld>
             <a:endParaRPr lang="en-US"/>
           </a:p>
@@ -781,7 +786,7 @@
           <a:p>
             <a:fld id="{8873C7B1-4E19-41E7-A13F-CD1C6F85078B}" type="datetimeFigureOut">
               <a:rPr lang="en-US" smtClean="0"/>
-              <a:t>05/17/18</a:t>
+              <a:t>05/18/18</a:t>
             </a:fld>
             <a:endParaRPr lang="en-US"/>
           </a:p>
@@ -1027,7 +1032,7 @@
           <a:p>
             <a:fld id="{8873C7B1-4E19-41E7-A13F-CD1C6F85078B}" type="datetimeFigureOut">
               <a:rPr lang="en-US" smtClean="0"/>
-              <a:t>05/17/18</a:t>
+              <a:t>05/18/18</a:t>
             </a:fld>
             <a:endParaRPr lang="en-US"/>
           </a:p>
@@ -1259,7 +1264,7 @@
           <a:p>
             <a:fld id="{8873C7B1-4E19-41E7-A13F-CD1C6F85078B}" type="datetimeFigureOut">
               <a:rPr lang="en-US" smtClean="0"/>
-              <a:t>05/17/18</a:t>
+              <a:t>05/18/18</a:t>
             </a:fld>
             <a:endParaRPr lang="en-US"/>
           </a:p>
@@ -1626,7 +1631,7 @@
           <a:p>
             <a:fld id="{8873C7B1-4E19-41E7-A13F-CD1C6F85078B}" type="datetimeFigureOut">
               <a:rPr lang="en-US" smtClean="0"/>
-              <a:t>05/17/18</a:t>
+              <a:t>05/18/18</a:t>
             </a:fld>
             <a:endParaRPr lang="en-US"/>
           </a:p>
@@ -1744,7 +1749,7 @@
           <a:p>
             <a:fld id="{8873C7B1-4E19-41E7-A13F-CD1C6F85078B}" type="datetimeFigureOut">
               <a:rPr lang="en-US" smtClean="0"/>
-              <a:t>05/17/18</a:t>
+              <a:t>05/18/18</a:t>
             </a:fld>
             <a:endParaRPr lang="en-US"/>
           </a:p>
@@ -1839,7 +1844,7 @@
           <a:p>
             <a:fld id="{8873C7B1-4E19-41E7-A13F-CD1C6F85078B}" type="datetimeFigureOut">
               <a:rPr lang="en-US" smtClean="0"/>
-              <a:t>05/17/18</a:t>
+              <a:t>05/18/18</a:t>
             </a:fld>
             <a:endParaRPr lang="en-US"/>
           </a:p>
@@ -2116,7 +2121,7 @@
           <a:p>
             <a:fld id="{8873C7B1-4E19-41E7-A13F-CD1C6F85078B}" type="datetimeFigureOut">
               <a:rPr lang="en-US" smtClean="0"/>
-              <a:t>05/17/18</a:t>
+              <a:t>05/18/18</a:t>
             </a:fld>
             <a:endParaRPr lang="en-US"/>
           </a:p>
@@ -2369,7 +2374,7 @@
           <a:p>
             <a:fld id="{8873C7B1-4E19-41E7-A13F-CD1C6F85078B}" type="datetimeFigureOut">
               <a:rPr lang="en-US" smtClean="0"/>
-              <a:t>05/17/18</a:t>
+              <a:t>05/18/18</a:t>
             </a:fld>
             <a:endParaRPr lang="en-US"/>
           </a:p>
@@ -2591,7 +2596,7 @@
           <a:p>
             <a:fld id="{8873C7B1-4E19-41E7-A13F-CD1C6F85078B}" type="datetimeFigureOut">
               <a:rPr lang="en-US" smtClean="0"/>
-              <a:t>05/17/18</a:t>
+              <a:t>05/18/18</a:t>
             </a:fld>
             <a:endParaRPr lang="en-US"/>
           </a:p>
@@ -3008,7 +3013,7 @@
         </p:nvSpPr>
         <p:spPr>
           <a:xfrm>
-            <a:off x="1421446" y="1749938"/>
+            <a:off x="1412210" y="1740701"/>
             <a:ext cx="9636396" cy="1074661"/>
           </a:xfrm>
         </p:spPr>
@@ -3081,8 +3086,8 @@
         </p:nvSpPr>
         <p:spPr>
           <a:xfrm>
-            <a:off x="868680" y="3202565"/>
-            <a:ext cx="4460702" cy="1692708"/>
+            <a:off x="868679" y="3045547"/>
+            <a:ext cx="7822739" cy="1655762"/>
           </a:xfrm>
         </p:spPr>
         <p:txBody>
@@ -3093,7 +3098,7 @@
           <a:p>
             <a:pPr algn="l"/>
             <a:r>
-              <a:rPr lang="en-US" b="1" u="sng" dirty="0" smtClean="0">
+              <a:rPr lang="en-US" sz="2800" b="1" u="sng" dirty="0" smtClean="0">
                 <a:solidFill>
                   <a:schemeClr val="accent5">
                     <a:lumMod val="50000"/>
@@ -3106,7 +3111,7 @@
               <a:t>ĐỀ TÀI:</a:t>
             </a:r>
             <a:r>
-              <a:rPr lang="en-US" b="1" dirty="0" smtClean="0">
+              <a:rPr lang="en-US" sz="2800" b="1" dirty="0" smtClean="0">
                 <a:solidFill>
                   <a:schemeClr val="accent5">
                     <a:lumMod val="50000"/>
@@ -3116,22 +3121,9 @@
                 <a:ea typeface="Times" panose="020B0500000000000000" pitchFamily="34" charset="0"/>
                 <a:cs typeface="Times" panose="020B0500000000000000" pitchFamily="34" charset="0"/>
               </a:rPr>
-              <a:t> </a:t>
-            </a:r>
-            <a:r>
-              <a:rPr lang="en-US" b="1" dirty="0" smtClean="0">
-                <a:solidFill>
-                  <a:schemeClr val="accent5">
-                    <a:lumMod val="50000"/>
-                  </a:schemeClr>
-                </a:solidFill>
-                <a:latin typeface="Times" panose="020B0500000000000000" pitchFamily="34" charset="0"/>
-                <a:ea typeface="Times" panose="020B0500000000000000" pitchFamily="34" charset="0"/>
-                <a:cs typeface="Times" panose="020B0500000000000000" pitchFamily="34" charset="0"/>
-              </a:rPr>
-              <a:t>CRAWLER DATA</a:t>
-            </a:r>
-            <a:endParaRPr lang="en-US" sz="1800" b="1" dirty="0" smtClean="0">
+              <a:t> CRAWLER DATA BẤT ĐỘNG SẢN</a:t>
+            </a:r>
+            <a:endParaRPr lang="en-US" sz="2000" b="1" dirty="0" smtClean="0">
               <a:solidFill>
                 <a:schemeClr val="accent5">
                   <a:lumMod val="50000"/>
@@ -3145,7 +3137,7 @@
           <a:p>
             <a:pPr algn="l"/>
             <a:r>
-              <a:rPr lang="en-US" sz="1800" b="1" u="sng" dirty="0" smtClean="0">
+              <a:rPr lang="en-US" sz="2000" b="1" u="sng" dirty="0" smtClean="0">
                 <a:solidFill>
                   <a:schemeClr val="accent5">
                     <a:lumMod val="50000"/>
@@ -3158,7 +3150,7 @@
               <a:t/>
             </a:r>
             <a:br>
-              <a:rPr lang="en-US" sz="1800" b="1" u="sng" dirty="0" smtClean="0">
+              <a:rPr lang="en-US" sz="2000" b="1" u="sng" dirty="0" smtClean="0">
                 <a:solidFill>
                   <a:schemeClr val="accent5">
                     <a:lumMod val="50000"/>
@@ -3170,7 +3162,7 @@
               </a:rPr>
             </a:br>
             <a:r>
-              <a:rPr lang="en-US" sz="1800" b="1" u="sng" dirty="0" smtClean="0">
+              <a:rPr lang="en-US" sz="2000" b="1" u="sng" dirty="0" smtClean="0">
                 <a:solidFill>
                   <a:schemeClr val="accent5">
                     <a:lumMod val="50000"/>
@@ -3183,7 +3175,7 @@
               <a:t>GVHD:</a:t>
             </a:r>
             <a:r>
-              <a:rPr lang="en-US" sz="1800" b="1" dirty="0" smtClean="0">
+              <a:rPr lang="en-US" sz="2000" b="1" dirty="0" smtClean="0">
                 <a:solidFill>
                   <a:schemeClr val="accent5">
                     <a:lumMod val="50000"/>
@@ -3199,7 +3191,7 @@
           <a:p>
             <a:pPr algn="l"/>
             <a:r>
-              <a:rPr lang="en-US" sz="1800" b="1" u="sng" dirty="0" smtClean="0">
+              <a:rPr lang="en-US" sz="2000" b="1" u="sng" dirty="0" smtClean="0">
                 <a:solidFill>
                   <a:schemeClr val="accent5">
                     <a:lumMod val="50000"/>
@@ -3212,7 +3204,7 @@
               <a:t>Thành viên nhóm:</a:t>
             </a:r>
             <a:r>
-              <a:rPr lang="en-US" sz="1800" b="1" dirty="0" smtClean="0">
+              <a:rPr lang="en-US" sz="2000" b="1" dirty="0" smtClean="0">
                 <a:solidFill>
                   <a:schemeClr val="accent5">
                     <a:lumMod val="50000"/>
@@ -3231,7 +3223,7 @@
               <a:buAutoNum type="arabicPeriod"/>
             </a:pPr>
             <a:r>
-              <a:rPr lang="en-US" sz="1800" dirty="0" smtClean="0">
+              <a:rPr lang="en-US" sz="2000" dirty="0" smtClean="0">
                 <a:solidFill>
                   <a:schemeClr val="accent5">
                     <a:lumMod val="50000"/>
@@ -3250,7 +3242,7 @@
               <a:buAutoNum type="arabicPeriod"/>
             </a:pPr>
             <a:r>
-              <a:rPr lang="en-US" sz="1800" dirty="0" smtClean="0">
+              <a:rPr lang="en-US" sz="2000" dirty="0" smtClean="0">
                 <a:solidFill>
                   <a:schemeClr val="accent5">
                     <a:lumMod val="50000"/>
@@ -3263,7 +3255,7 @@
               <a:t>Đỗ Thanh </a:t>
             </a:r>
             <a:r>
-              <a:rPr lang="en-US" sz="1800" dirty="0">
+              <a:rPr lang="en-US" sz="2000" dirty="0">
                 <a:solidFill>
                   <a:schemeClr val="accent5">
                     <a:lumMod val="50000"/>
@@ -3275,7 +3267,7 @@
               </a:rPr>
               <a:t>Phong  (Trưởng nhóm)</a:t>
             </a:r>
-            <a:endParaRPr lang="en-US" sz="1800" dirty="0" smtClean="0">
+            <a:endParaRPr lang="en-US" sz="2000" dirty="0" smtClean="0">
               <a:solidFill>
                 <a:schemeClr val="accent5">
                   <a:lumMod val="50000"/>
@@ -3292,7 +3284,7 @@
               <a:buAutoNum type="arabicPeriod"/>
             </a:pPr>
             <a:r>
-              <a:rPr lang="en-US" sz="1800" dirty="0" smtClean="0">
+              <a:rPr lang="en-US" sz="2000" dirty="0" smtClean="0">
                 <a:solidFill>
                   <a:schemeClr val="accent5">
                     <a:lumMod val="50000"/>
@@ -3311,7 +3303,7 @@
               <a:buAutoNum type="arabicPeriod"/>
             </a:pPr>
             <a:r>
-              <a:rPr lang="en-US" sz="1800" dirty="0" smtClean="0">
+              <a:rPr lang="en-US" sz="2000" dirty="0" smtClean="0">
                 <a:solidFill>
                   <a:schemeClr val="accent5">
                     <a:lumMod val="50000"/>
@@ -3330,7 +3322,7 @@
               <a:buAutoNum type="arabicPeriod"/>
             </a:pPr>
             <a:r>
-              <a:rPr lang="en-US" sz="1800" dirty="0" smtClean="0">
+              <a:rPr lang="en-US" sz="2000" dirty="0" smtClean="0">
                 <a:solidFill>
                   <a:schemeClr val="accent5">
                     <a:lumMod val="50000"/>
@@ -3342,7 +3334,7 @@
               </a:rPr>
               <a:t>Lê Cẩm Tú</a:t>
             </a:r>
-            <a:endParaRPr lang="en-US" sz="1800" dirty="0">
+            <a:endParaRPr lang="en-US" sz="2000" dirty="0">
               <a:solidFill>
                 <a:schemeClr val="accent5">
                   <a:lumMod val="50000"/>
@@ -3359,6 +3351,1029 @@
     <p:extLst>
       <p:ext uri="{BB962C8B-B14F-4D97-AF65-F5344CB8AC3E}">
         <p14:creationId xmlns:p14="http://schemas.microsoft.com/office/powerpoint/2010/main" val="3420301981"/>
+      </p:ext>
+    </p:extLst>
+  </p:cSld>
+  <p:clrMapOvr>
+    <a:masterClrMapping/>
+  </p:clrMapOvr>
+  <p:timing>
+    <p:tnLst>
+      <p:par>
+        <p:cTn id="1" dur="indefinite" restart="never" nodeType="tmRoot"/>
+      </p:par>
+    </p:tnLst>
+  </p:timing>
+</p:sld>
+</file>
+
+<file path=ppt/slides/slide10.xml><?xml version="1.0" encoding="utf-8"?>
+<p:sld xmlns:a="http://schemas.openxmlformats.org/drawingml/2006/main" xmlns:r="http://schemas.openxmlformats.org/officeDocument/2006/relationships" xmlns:p="http://schemas.openxmlformats.org/presentationml/2006/main">
+  <p:cSld>
+    <p:spTree>
+      <p:nvGrpSpPr>
+        <p:cNvPr id="1" name=""/>
+        <p:cNvGrpSpPr/>
+        <p:nvPr/>
+      </p:nvGrpSpPr>
+      <p:grpSpPr>
+        <a:xfrm>
+          <a:off x="0" y="0"/>
+          <a:ext cx="0" cy="0"/>
+          <a:chOff x="0" y="0"/>
+          <a:chExt cx="0" cy="0"/>
+        </a:xfrm>
+      </p:grpSpPr>
+      <p:pic>
+        <p:nvPicPr>
+          <p:cNvPr id="4" name="Picture 3"/>
+          <p:cNvPicPr>
+            <a:picLocks noChangeAspect="1"/>
+          </p:cNvPicPr>
+          <p:nvPr/>
+        </p:nvPicPr>
+        <p:blipFill>
+          <a:blip r:embed="rId2">
+            <a:extLst>
+              <a:ext uri="{28A0092B-C50C-407E-A947-70E740481C1C}">
+                <a14:useLocalDpi xmlns:a14="http://schemas.microsoft.com/office/drawing/2010/main" val="0"/>
+              </a:ext>
+            </a:extLst>
+          </a:blip>
+          <a:stretch>
+            <a:fillRect/>
+          </a:stretch>
+        </p:blipFill>
+        <p:spPr>
+          <a:xfrm>
+            <a:off x="389803" y="1544781"/>
+            <a:ext cx="11534342" cy="5037187"/>
+          </a:xfrm>
+          <a:prstGeom prst="rect">
+            <a:avLst/>
+          </a:prstGeom>
+        </p:spPr>
+      </p:pic>
+    </p:spTree>
+    <p:extLst>
+      <p:ext uri="{BB962C8B-B14F-4D97-AF65-F5344CB8AC3E}">
+        <p14:creationId xmlns:p14="http://schemas.microsoft.com/office/powerpoint/2010/main" val="807527155"/>
+      </p:ext>
+    </p:extLst>
+  </p:cSld>
+  <p:clrMapOvr>
+    <a:masterClrMapping/>
+  </p:clrMapOvr>
+  <p:timing>
+    <p:tnLst>
+      <p:par>
+        <p:cTn id="1" dur="indefinite" restart="never" nodeType="tmRoot"/>
+      </p:par>
+    </p:tnLst>
+  </p:timing>
+</p:sld>
+</file>
+
+<file path=ppt/slides/slide11.xml><?xml version="1.0" encoding="utf-8"?>
+<p:sld xmlns:a="http://schemas.openxmlformats.org/drawingml/2006/main" xmlns:r="http://schemas.openxmlformats.org/officeDocument/2006/relationships" xmlns:p="http://schemas.openxmlformats.org/presentationml/2006/main">
+  <p:cSld>
+    <p:spTree>
+      <p:nvGrpSpPr>
+        <p:cNvPr id="1" name=""/>
+        <p:cNvGrpSpPr/>
+        <p:nvPr/>
+      </p:nvGrpSpPr>
+      <p:grpSpPr>
+        <a:xfrm>
+          <a:off x="0" y="0"/>
+          <a:ext cx="0" cy="0"/>
+          <a:chOff x="0" y="0"/>
+          <a:chExt cx="0" cy="0"/>
+        </a:xfrm>
+      </p:grpSpPr>
+      <p:pic>
+        <p:nvPicPr>
+          <p:cNvPr id="2" name="Picture 1"/>
+          <p:cNvPicPr>
+            <a:picLocks noChangeAspect="1"/>
+          </p:cNvPicPr>
+          <p:nvPr/>
+        </p:nvPicPr>
+        <p:blipFill>
+          <a:blip r:embed="rId2">
+            <a:extLst>
+              <a:ext uri="{28A0092B-C50C-407E-A947-70E740481C1C}">
+                <a14:useLocalDpi xmlns:a14="http://schemas.microsoft.com/office/drawing/2010/main" val="0"/>
+              </a:ext>
+            </a:extLst>
+          </a:blip>
+          <a:stretch>
+            <a:fillRect/>
+          </a:stretch>
+        </p:blipFill>
+        <p:spPr>
+          <a:xfrm>
+            <a:off x="203200" y="1445532"/>
+            <a:ext cx="11628582" cy="5278541"/>
+          </a:xfrm>
+          <a:prstGeom prst="rect">
+            <a:avLst/>
+          </a:prstGeom>
+        </p:spPr>
+      </p:pic>
+    </p:spTree>
+    <p:extLst>
+      <p:ext uri="{BB962C8B-B14F-4D97-AF65-F5344CB8AC3E}">
+        <p14:creationId xmlns:p14="http://schemas.microsoft.com/office/powerpoint/2010/main" val="3743004012"/>
+      </p:ext>
+    </p:extLst>
+  </p:cSld>
+  <p:clrMapOvr>
+    <a:masterClrMapping/>
+  </p:clrMapOvr>
+  <p:timing>
+    <p:tnLst>
+      <p:par>
+        <p:cTn id="1" dur="indefinite" restart="never" nodeType="tmRoot"/>
+      </p:par>
+    </p:tnLst>
+  </p:timing>
+</p:sld>
+</file>
+
+<file path=ppt/slides/slide12.xml><?xml version="1.0" encoding="utf-8"?>
+<p:sld xmlns:a="http://schemas.openxmlformats.org/drawingml/2006/main" xmlns:r="http://schemas.openxmlformats.org/officeDocument/2006/relationships" xmlns:p="http://schemas.openxmlformats.org/presentationml/2006/main">
+  <p:cSld>
+    <p:spTree>
+      <p:nvGrpSpPr>
+        <p:cNvPr id="1" name=""/>
+        <p:cNvGrpSpPr/>
+        <p:nvPr/>
+      </p:nvGrpSpPr>
+      <p:grpSpPr>
+        <a:xfrm>
+          <a:off x="0" y="0"/>
+          <a:ext cx="0" cy="0"/>
+          <a:chOff x="0" y="0"/>
+          <a:chExt cx="0" cy="0"/>
+        </a:xfrm>
+      </p:grpSpPr>
+      <p:graphicFrame>
+        <p:nvGraphicFramePr>
+          <p:cNvPr id="2" name="Table 1"/>
+          <p:cNvGraphicFramePr>
+            <a:graphicFrameLocks noGrp="1"/>
+          </p:cNvGraphicFramePr>
+          <p:nvPr>
+            <p:extLst>
+              <p:ext uri="{D42A27DB-BD31-4B8C-83A1-F6EECF244321}">
+                <p14:modId xmlns:p14="http://schemas.microsoft.com/office/powerpoint/2010/main" val="3157875671"/>
+              </p:ext>
+            </p:extLst>
+          </p:nvPr>
+        </p:nvGraphicFramePr>
+        <p:xfrm>
+          <a:off x="332510" y="1533236"/>
+          <a:ext cx="10954326" cy="5052290"/>
+        </p:xfrm>
+        <a:graphic>
+          <a:graphicData uri="http://schemas.openxmlformats.org/drawingml/2006/table">
+            <a:tbl>
+              <a:tblPr firstRow="1" firstCol="1" bandRow="1">
+                <a:tableStyleId>{5C22544A-7EE6-4342-B048-85BDC9FD1C3A}</a:tableStyleId>
+              </a:tblPr>
+              <a:tblGrid>
+                <a:gridCol w="1318256">
+                  <a:extLst>
+                    <a:ext uri="{9D8B030D-6E8A-4147-A177-3AD203B41FA5}">
+                      <a16:colId xmlns:a16="http://schemas.microsoft.com/office/drawing/2014/main" val="2252957226"/>
+                    </a:ext>
+                  </a:extLst>
+                </a:gridCol>
+                <a:gridCol w="5862765">
+                  <a:extLst>
+                    <a:ext uri="{9D8B030D-6E8A-4147-A177-3AD203B41FA5}">
+                      <a16:colId xmlns:a16="http://schemas.microsoft.com/office/drawing/2014/main" val="2467724931"/>
+                    </a:ext>
+                  </a:extLst>
+                </a:gridCol>
+                <a:gridCol w="3773305">
+                  <a:extLst>
+                    <a:ext uri="{9D8B030D-6E8A-4147-A177-3AD203B41FA5}">
+                      <a16:colId xmlns:a16="http://schemas.microsoft.com/office/drawing/2014/main" val="3143697458"/>
+                    </a:ext>
+                  </a:extLst>
+                </a:gridCol>
+              </a:tblGrid>
+              <a:tr h="1768232">
+                <a:tc>
+                  <a:txBody>
+                    <a:bodyPr/>
+                    <a:lstStyle/>
+                    <a:p>
+                      <a:pPr marL="457200" algn="l">
+                        <a:lnSpc>
+                          <a:spcPct val="150000"/>
+                        </a:lnSpc>
+                        <a:spcAft>
+                          <a:spcPts val="0"/>
+                        </a:spcAft>
+                      </a:pPr>
+                      <a:r>
+                        <a:rPr lang="en-US" sz="1800">
+                          <a:effectLst/>
+                          <a:latin typeface="Times" panose="02020603050405020304" pitchFamily="18" charset="0"/>
+                          <a:cs typeface="Times" panose="02020603050405020304" pitchFamily="18" charset="0"/>
+                        </a:rPr>
+                        <a:t>STT</a:t>
+                      </a:r>
+                      <a:endParaRPr lang="en-US" sz="1800">
+                        <a:effectLst/>
+                        <a:latin typeface="Times" panose="02020603050405020304" pitchFamily="18" charset="0"/>
+                        <a:ea typeface="Calibri" panose="020F0502020204030204" pitchFamily="34" charset="0"/>
+                        <a:cs typeface="Times" panose="02020603050405020304" pitchFamily="18" charset="0"/>
+                      </a:endParaRPr>
+                    </a:p>
+                  </a:txBody>
+                  <a:tcPr marL="68580" marR="68580" marT="0" marB="0" anchor="ctr"/>
+                </a:tc>
+                <a:tc>
+                  <a:txBody>
+                    <a:bodyPr/>
+                    <a:lstStyle/>
+                    <a:p>
+                      <a:pPr marL="457200" algn="ctr">
+                        <a:lnSpc>
+                          <a:spcPct val="150000"/>
+                        </a:lnSpc>
+                        <a:spcAft>
+                          <a:spcPts val="0"/>
+                        </a:spcAft>
+                      </a:pPr>
+                      <a:r>
+                        <a:rPr lang="en-US" sz="1800">
+                          <a:effectLst/>
+                          <a:latin typeface="Times" panose="02020603050405020304" pitchFamily="18" charset="0"/>
+                          <a:cs typeface="Times" panose="02020603050405020304" pitchFamily="18" charset="0"/>
+                        </a:rPr>
+                        <a:t>Tên trang</a:t>
+                      </a:r>
+                      <a:endParaRPr lang="en-US" sz="1800">
+                        <a:effectLst/>
+                        <a:latin typeface="Times" panose="02020603050405020304" pitchFamily="18" charset="0"/>
+                        <a:ea typeface="Calibri" panose="020F0502020204030204" pitchFamily="34" charset="0"/>
+                        <a:cs typeface="Times" panose="02020603050405020304" pitchFamily="18" charset="0"/>
+                      </a:endParaRPr>
+                    </a:p>
+                  </a:txBody>
+                  <a:tcPr marL="68580" marR="68580" marT="0" marB="0" anchor="ctr"/>
+                </a:tc>
+                <a:tc>
+                  <a:txBody>
+                    <a:bodyPr/>
+                    <a:lstStyle/>
+                    <a:p>
+                      <a:pPr marL="457200" algn="ctr">
+                        <a:lnSpc>
+                          <a:spcPct val="150000"/>
+                        </a:lnSpc>
+                        <a:spcAft>
+                          <a:spcPts val="0"/>
+                        </a:spcAft>
+                      </a:pPr>
+                      <a:r>
+                        <a:rPr lang="en-US" sz="1800">
+                          <a:effectLst/>
+                          <a:latin typeface="Times" panose="02020603050405020304" pitchFamily="18" charset="0"/>
+                          <a:cs typeface="Times" panose="02020603050405020304" pitchFamily="18" charset="0"/>
+                        </a:rPr>
+                        <a:t>Tổng dữ liệu đã thu thập</a:t>
+                      </a:r>
+                      <a:endParaRPr lang="en-US" sz="1800">
+                        <a:effectLst/>
+                        <a:latin typeface="Times" panose="02020603050405020304" pitchFamily="18" charset="0"/>
+                        <a:ea typeface="Calibri" panose="020F0502020204030204" pitchFamily="34" charset="0"/>
+                        <a:cs typeface="Times" panose="02020603050405020304" pitchFamily="18" charset="0"/>
+                      </a:endParaRPr>
+                    </a:p>
+                  </a:txBody>
+                  <a:tcPr marL="68580" marR="68580" marT="0" marB="0" anchor="ctr"/>
+                </a:tc>
+                <a:extLst>
+                  <a:ext uri="{0D108BD9-81ED-4DB2-BD59-A6C34878D82A}">
+                    <a16:rowId xmlns:a16="http://schemas.microsoft.com/office/drawing/2014/main" val="2631114854"/>
+                  </a:ext>
+                </a:extLst>
+              </a:tr>
+              <a:tr h="547343">
+                <a:tc>
+                  <a:txBody>
+                    <a:bodyPr/>
+                    <a:lstStyle/>
+                    <a:p>
+                      <a:pPr marL="457200" algn="l">
+                        <a:lnSpc>
+                          <a:spcPct val="150000"/>
+                        </a:lnSpc>
+                        <a:spcAft>
+                          <a:spcPts val="0"/>
+                        </a:spcAft>
+                      </a:pPr>
+                      <a:r>
+                        <a:rPr lang="en-US" sz="1800">
+                          <a:effectLst/>
+                          <a:latin typeface="Times" panose="02020603050405020304" pitchFamily="18" charset="0"/>
+                          <a:cs typeface="Times" panose="02020603050405020304" pitchFamily="18" charset="0"/>
+                        </a:rPr>
+                        <a:t>1</a:t>
+                      </a:r>
+                      <a:endParaRPr lang="en-US" sz="1800">
+                        <a:effectLst/>
+                        <a:latin typeface="Times" panose="02020603050405020304" pitchFamily="18" charset="0"/>
+                        <a:ea typeface="Calibri" panose="020F0502020204030204" pitchFamily="34" charset="0"/>
+                        <a:cs typeface="Times" panose="02020603050405020304" pitchFamily="18" charset="0"/>
+                      </a:endParaRPr>
+                    </a:p>
+                  </a:txBody>
+                  <a:tcPr marL="68580" marR="68580" marT="0" marB="0" anchor="ctr"/>
+                </a:tc>
+                <a:tc>
+                  <a:txBody>
+                    <a:bodyPr/>
+                    <a:lstStyle/>
+                    <a:p>
+                      <a:pPr marL="457200">
+                        <a:lnSpc>
+                          <a:spcPct val="150000"/>
+                        </a:lnSpc>
+                        <a:spcAft>
+                          <a:spcPts val="0"/>
+                        </a:spcAft>
+                      </a:pPr>
+                      <a:r>
+                        <a:rPr lang="en-US" sz="1800">
+                          <a:effectLst/>
+                          <a:latin typeface="Times" panose="02020603050405020304" pitchFamily="18" charset="0"/>
+                          <a:cs typeface="Times" panose="02020603050405020304" pitchFamily="18" charset="0"/>
+                        </a:rPr>
+                        <a:t>https://batdongsan.com.vn</a:t>
+                      </a:r>
+                      <a:endParaRPr lang="en-US" sz="1800">
+                        <a:effectLst/>
+                        <a:latin typeface="Times" panose="02020603050405020304" pitchFamily="18" charset="0"/>
+                        <a:ea typeface="Calibri" panose="020F0502020204030204" pitchFamily="34" charset="0"/>
+                        <a:cs typeface="Times" panose="02020603050405020304" pitchFamily="18" charset="0"/>
+                      </a:endParaRPr>
+                    </a:p>
+                  </a:txBody>
+                  <a:tcPr marL="68580" marR="68580" marT="0" marB="0"/>
+                </a:tc>
+                <a:tc>
+                  <a:txBody>
+                    <a:bodyPr/>
+                    <a:lstStyle/>
+                    <a:p>
+                      <a:pPr marL="457200" algn="ctr">
+                        <a:lnSpc>
+                          <a:spcPct val="150000"/>
+                        </a:lnSpc>
+                        <a:spcAft>
+                          <a:spcPts val="0"/>
+                        </a:spcAft>
+                      </a:pPr>
+                      <a:r>
+                        <a:rPr lang="en-US" sz="1800">
+                          <a:effectLst/>
+                          <a:latin typeface="Times" panose="02020603050405020304" pitchFamily="18" charset="0"/>
+                          <a:cs typeface="Times" panose="02020603050405020304" pitchFamily="18" charset="0"/>
+                        </a:rPr>
+                        <a:t>7792</a:t>
+                      </a:r>
+                      <a:endParaRPr lang="en-US" sz="1800">
+                        <a:effectLst/>
+                        <a:latin typeface="Times" panose="02020603050405020304" pitchFamily="18" charset="0"/>
+                        <a:ea typeface="Calibri" panose="020F0502020204030204" pitchFamily="34" charset="0"/>
+                        <a:cs typeface="Times" panose="02020603050405020304" pitchFamily="18" charset="0"/>
+                      </a:endParaRPr>
+                    </a:p>
+                  </a:txBody>
+                  <a:tcPr marL="68580" marR="68580" marT="0" marB="0"/>
+                </a:tc>
+                <a:extLst>
+                  <a:ext uri="{0D108BD9-81ED-4DB2-BD59-A6C34878D82A}">
+                    <a16:rowId xmlns:a16="http://schemas.microsoft.com/office/drawing/2014/main" val="604600613"/>
+                  </a:ext>
+                </a:extLst>
+              </a:tr>
+              <a:tr h="547343">
+                <a:tc>
+                  <a:txBody>
+                    <a:bodyPr/>
+                    <a:lstStyle/>
+                    <a:p>
+                      <a:pPr marL="457200" algn="l">
+                        <a:lnSpc>
+                          <a:spcPct val="150000"/>
+                        </a:lnSpc>
+                        <a:spcAft>
+                          <a:spcPts val="0"/>
+                        </a:spcAft>
+                      </a:pPr>
+                      <a:r>
+                        <a:rPr lang="en-US" sz="1800">
+                          <a:effectLst/>
+                          <a:latin typeface="Times" panose="02020603050405020304" pitchFamily="18" charset="0"/>
+                          <a:cs typeface="Times" panose="02020603050405020304" pitchFamily="18" charset="0"/>
+                        </a:rPr>
+                        <a:t>2</a:t>
+                      </a:r>
+                      <a:endParaRPr lang="en-US" sz="1800">
+                        <a:effectLst/>
+                        <a:latin typeface="Times" panose="02020603050405020304" pitchFamily="18" charset="0"/>
+                        <a:ea typeface="Calibri" panose="020F0502020204030204" pitchFamily="34" charset="0"/>
+                        <a:cs typeface="Times" panose="02020603050405020304" pitchFamily="18" charset="0"/>
+                      </a:endParaRPr>
+                    </a:p>
+                  </a:txBody>
+                  <a:tcPr marL="68580" marR="68580" marT="0" marB="0" anchor="ctr"/>
+                </a:tc>
+                <a:tc>
+                  <a:txBody>
+                    <a:bodyPr/>
+                    <a:lstStyle/>
+                    <a:p>
+                      <a:pPr marL="457200">
+                        <a:lnSpc>
+                          <a:spcPct val="150000"/>
+                        </a:lnSpc>
+                        <a:spcAft>
+                          <a:spcPts val="0"/>
+                        </a:spcAft>
+                      </a:pPr>
+                      <a:r>
+                        <a:rPr lang="en-US" sz="1800">
+                          <a:effectLst/>
+                          <a:latin typeface="Times" panose="02020603050405020304" pitchFamily="18" charset="0"/>
+                          <a:cs typeface="Times" panose="02020603050405020304" pitchFamily="18" charset="0"/>
+                        </a:rPr>
+                        <a:t>http://timmuanhadat.com.vn</a:t>
+                      </a:r>
+                      <a:endParaRPr lang="en-US" sz="1800">
+                        <a:effectLst/>
+                        <a:latin typeface="Times" panose="02020603050405020304" pitchFamily="18" charset="0"/>
+                        <a:ea typeface="Calibri" panose="020F0502020204030204" pitchFamily="34" charset="0"/>
+                        <a:cs typeface="Times" panose="02020603050405020304" pitchFamily="18" charset="0"/>
+                      </a:endParaRPr>
+                    </a:p>
+                  </a:txBody>
+                  <a:tcPr marL="68580" marR="68580" marT="0" marB="0"/>
+                </a:tc>
+                <a:tc>
+                  <a:txBody>
+                    <a:bodyPr/>
+                    <a:lstStyle/>
+                    <a:p>
+                      <a:pPr marL="457200" algn="ctr">
+                        <a:lnSpc>
+                          <a:spcPct val="150000"/>
+                        </a:lnSpc>
+                        <a:spcAft>
+                          <a:spcPts val="0"/>
+                        </a:spcAft>
+                      </a:pPr>
+                      <a:r>
+                        <a:rPr lang="en-US" sz="1800">
+                          <a:effectLst/>
+                          <a:latin typeface="Times" panose="02020603050405020304" pitchFamily="18" charset="0"/>
+                          <a:cs typeface="Times" panose="02020603050405020304" pitchFamily="18" charset="0"/>
+                        </a:rPr>
+                        <a:t>3887</a:t>
+                      </a:r>
+                      <a:endParaRPr lang="en-US" sz="1800">
+                        <a:effectLst/>
+                        <a:latin typeface="Times" panose="02020603050405020304" pitchFamily="18" charset="0"/>
+                        <a:ea typeface="Calibri" panose="020F0502020204030204" pitchFamily="34" charset="0"/>
+                        <a:cs typeface="Times" panose="02020603050405020304" pitchFamily="18" charset="0"/>
+                      </a:endParaRPr>
+                    </a:p>
+                  </a:txBody>
+                  <a:tcPr marL="68580" marR="68580" marT="0" marB="0"/>
+                </a:tc>
+                <a:extLst>
+                  <a:ext uri="{0D108BD9-81ED-4DB2-BD59-A6C34878D82A}">
+                    <a16:rowId xmlns:a16="http://schemas.microsoft.com/office/drawing/2014/main" val="2343239524"/>
+                  </a:ext>
+                </a:extLst>
+              </a:tr>
+              <a:tr h="547343">
+                <a:tc>
+                  <a:txBody>
+                    <a:bodyPr/>
+                    <a:lstStyle/>
+                    <a:p>
+                      <a:pPr marL="457200" algn="l">
+                        <a:lnSpc>
+                          <a:spcPct val="150000"/>
+                        </a:lnSpc>
+                        <a:spcAft>
+                          <a:spcPts val="0"/>
+                        </a:spcAft>
+                      </a:pPr>
+                      <a:r>
+                        <a:rPr lang="en-US" sz="1800">
+                          <a:effectLst/>
+                          <a:latin typeface="Times" panose="02020603050405020304" pitchFamily="18" charset="0"/>
+                          <a:cs typeface="Times" panose="02020603050405020304" pitchFamily="18" charset="0"/>
+                        </a:rPr>
+                        <a:t>3</a:t>
+                      </a:r>
+                      <a:endParaRPr lang="en-US" sz="1800">
+                        <a:effectLst/>
+                        <a:latin typeface="Times" panose="02020603050405020304" pitchFamily="18" charset="0"/>
+                        <a:ea typeface="Calibri" panose="020F0502020204030204" pitchFamily="34" charset="0"/>
+                        <a:cs typeface="Times" panose="02020603050405020304" pitchFamily="18" charset="0"/>
+                      </a:endParaRPr>
+                    </a:p>
+                  </a:txBody>
+                  <a:tcPr marL="68580" marR="68580" marT="0" marB="0" anchor="ctr"/>
+                </a:tc>
+                <a:tc>
+                  <a:txBody>
+                    <a:bodyPr/>
+                    <a:lstStyle/>
+                    <a:p>
+                      <a:pPr marL="457200">
+                        <a:lnSpc>
+                          <a:spcPct val="150000"/>
+                        </a:lnSpc>
+                        <a:spcAft>
+                          <a:spcPts val="0"/>
+                        </a:spcAft>
+                      </a:pPr>
+                      <a:r>
+                        <a:rPr lang="en-US" sz="1800">
+                          <a:effectLst/>
+                          <a:latin typeface="Times" panose="02020603050405020304" pitchFamily="18" charset="0"/>
+                          <a:cs typeface="Times" panose="02020603050405020304" pitchFamily="18" charset="0"/>
+                        </a:rPr>
+                        <a:t>http://phonhadat.net</a:t>
+                      </a:r>
+                      <a:endParaRPr lang="en-US" sz="1800">
+                        <a:effectLst/>
+                        <a:latin typeface="Times" panose="02020603050405020304" pitchFamily="18" charset="0"/>
+                        <a:ea typeface="Calibri" panose="020F0502020204030204" pitchFamily="34" charset="0"/>
+                        <a:cs typeface="Times" panose="02020603050405020304" pitchFamily="18" charset="0"/>
+                      </a:endParaRPr>
+                    </a:p>
+                  </a:txBody>
+                  <a:tcPr marL="68580" marR="68580" marT="0" marB="0"/>
+                </a:tc>
+                <a:tc>
+                  <a:txBody>
+                    <a:bodyPr/>
+                    <a:lstStyle/>
+                    <a:p>
+                      <a:pPr marL="457200" algn="ctr">
+                        <a:lnSpc>
+                          <a:spcPct val="150000"/>
+                        </a:lnSpc>
+                        <a:spcAft>
+                          <a:spcPts val="0"/>
+                        </a:spcAft>
+                      </a:pPr>
+                      <a:r>
+                        <a:rPr lang="en-US" sz="1800">
+                          <a:effectLst/>
+                          <a:latin typeface="Times" panose="02020603050405020304" pitchFamily="18" charset="0"/>
+                          <a:cs typeface="Times" panose="02020603050405020304" pitchFamily="18" charset="0"/>
+                        </a:rPr>
+                        <a:t>1949</a:t>
+                      </a:r>
+                      <a:endParaRPr lang="en-US" sz="1800">
+                        <a:effectLst/>
+                        <a:latin typeface="Times" panose="02020603050405020304" pitchFamily="18" charset="0"/>
+                        <a:ea typeface="Calibri" panose="020F0502020204030204" pitchFamily="34" charset="0"/>
+                        <a:cs typeface="Times" panose="02020603050405020304" pitchFamily="18" charset="0"/>
+                      </a:endParaRPr>
+                    </a:p>
+                  </a:txBody>
+                  <a:tcPr marL="68580" marR="68580" marT="0" marB="0"/>
+                </a:tc>
+                <a:extLst>
+                  <a:ext uri="{0D108BD9-81ED-4DB2-BD59-A6C34878D82A}">
+                    <a16:rowId xmlns:a16="http://schemas.microsoft.com/office/drawing/2014/main" val="17843512"/>
+                  </a:ext>
+                </a:extLst>
+              </a:tr>
+              <a:tr h="547343">
+                <a:tc>
+                  <a:txBody>
+                    <a:bodyPr/>
+                    <a:lstStyle/>
+                    <a:p>
+                      <a:pPr marL="457200" algn="l">
+                        <a:lnSpc>
+                          <a:spcPct val="150000"/>
+                        </a:lnSpc>
+                        <a:spcAft>
+                          <a:spcPts val="0"/>
+                        </a:spcAft>
+                      </a:pPr>
+                      <a:r>
+                        <a:rPr lang="en-US" sz="1800">
+                          <a:effectLst/>
+                          <a:latin typeface="Times" panose="02020603050405020304" pitchFamily="18" charset="0"/>
+                          <a:cs typeface="Times" panose="02020603050405020304" pitchFamily="18" charset="0"/>
+                        </a:rPr>
+                        <a:t>4</a:t>
+                      </a:r>
+                      <a:endParaRPr lang="en-US" sz="1800">
+                        <a:effectLst/>
+                        <a:latin typeface="Times" panose="02020603050405020304" pitchFamily="18" charset="0"/>
+                        <a:ea typeface="Calibri" panose="020F0502020204030204" pitchFamily="34" charset="0"/>
+                        <a:cs typeface="Times" panose="02020603050405020304" pitchFamily="18" charset="0"/>
+                      </a:endParaRPr>
+                    </a:p>
+                  </a:txBody>
+                  <a:tcPr marL="68580" marR="68580" marT="0" marB="0" anchor="ctr"/>
+                </a:tc>
+                <a:tc>
+                  <a:txBody>
+                    <a:bodyPr/>
+                    <a:lstStyle/>
+                    <a:p>
+                      <a:pPr marL="457200">
+                        <a:lnSpc>
+                          <a:spcPct val="150000"/>
+                        </a:lnSpc>
+                        <a:spcAft>
+                          <a:spcPts val="0"/>
+                        </a:spcAft>
+                      </a:pPr>
+                      <a:r>
+                        <a:rPr lang="en-US" sz="1800">
+                          <a:effectLst/>
+                          <a:latin typeface="Times" panose="02020603050405020304" pitchFamily="18" charset="0"/>
+                          <a:cs typeface="Times" panose="02020603050405020304" pitchFamily="18" charset="0"/>
+                        </a:rPr>
+                        <a:t>https://dothi.net</a:t>
+                      </a:r>
+                      <a:endParaRPr lang="en-US" sz="1800">
+                        <a:effectLst/>
+                        <a:latin typeface="Times" panose="02020603050405020304" pitchFamily="18" charset="0"/>
+                        <a:ea typeface="Calibri" panose="020F0502020204030204" pitchFamily="34" charset="0"/>
+                        <a:cs typeface="Times" panose="02020603050405020304" pitchFamily="18" charset="0"/>
+                      </a:endParaRPr>
+                    </a:p>
+                  </a:txBody>
+                  <a:tcPr marL="68580" marR="68580" marT="0" marB="0"/>
+                </a:tc>
+                <a:tc>
+                  <a:txBody>
+                    <a:bodyPr/>
+                    <a:lstStyle/>
+                    <a:p>
+                      <a:pPr marL="457200" algn="ctr">
+                        <a:lnSpc>
+                          <a:spcPct val="150000"/>
+                        </a:lnSpc>
+                        <a:spcAft>
+                          <a:spcPts val="0"/>
+                        </a:spcAft>
+                      </a:pPr>
+                      <a:r>
+                        <a:rPr lang="en-US" sz="1800">
+                          <a:effectLst/>
+                          <a:latin typeface="Times" panose="02020603050405020304" pitchFamily="18" charset="0"/>
+                          <a:cs typeface="Times" panose="02020603050405020304" pitchFamily="18" charset="0"/>
+                        </a:rPr>
+                        <a:t>40</a:t>
+                      </a:r>
+                      <a:endParaRPr lang="en-US" sz="1800">
+                        <a:effectLst/>
+                        <a:latin typeface="Times" panose="02020603050405020304" pitchFamily="18" charset="0"/>
+                        <a:ea typeface="Calibri" panose="020F0502020204030204" pitchFamily="34" charset="0"/>
+                        <a:cs typeface="Times" panose="02020603050405020304" pitchFamily="18" charset="0"/>
+                      </a:endParaRPr>
+                    </a:p>
+                  </a:txBody>
+                  <a:tcPr marL="68580" marR="68580" marT="0" marB="0"/>
+                </a:tc>
+                <a:extLst>
+                  <a:ext uri="{0D108BD9-81ED-4DB2-BD59-A6C34878D82A}">
+                    <a16:rowId xmlns:a16="http://schemas.microsoft.com/office/drawing/2014/main" val="1488526442"/>
+                  </a:ext>
+                </a:extLst>
+              </a:tr>
+              <a:tr h="547343">
+                <a:tc>
+                  <a:txBody>
+                    <a:bodyPr/>
+                    <a:lstStyle/>
+                    <a:p>
+                      <a:pPr marL="457200" algn="l">
+                        <a:lnSpc>
+                          <a:spcPct val="150000"/>
+                        </a:lnSpc>
+                        <a:spcAft>
+                          <a:spcPts val="0"/>
+                        </a:spcAft>
+                      </a:pPr>
+                      <a:r>
+                        <a:rPr lang="en-US" sz="1800">
+                          <a:effectLst/>
+                          <a:latin typeface="Times" panose="02020603050405020304" pitchFamily="18" charset="0"/>
+                          <a:cs typeface="Times" panose="02020603050405020304" pitchFamily="18" charset="0"/>
+                        </a:rPr>
+                        <a:t>5</a:t>
+                      </a:r>
+                      <a:endParaRPr lang="en-US" sz="1800">
+                        <a:effectLst/>
+                        <a:latin typeface="Times" panose="02020603050405020304" pitchFamily="18" charset="0"/>
+                        <a:ea typeface="Calibri" panose="020F0502020204030204" pitchFamily="34" charset="0"/>
+                        <a:cs typeface="Times" panose="02020603050405020304" pitchFamily="18" charset="0"/>
+                      </a:endParaRPr>
+                    </a:p>
+                  </a:txBody>
+                  <a:tcPr marL="68580" marR="68580" marT="0" marB="0" anchor="ctr"/>
+                </a:tc>
+                <a:tc>
+                  <a:txBody>
+                    <a:bodyPr/>
+                    <a:lstStyle/>
+                    <a:p>
+                      <a:pPr marL="457200">
+                        <a:lnSpc>
+                          <a:spcPct val="150000"/>
+                        </a:lnSpc>
+                        <a:spcAft>
+                          <a:spcPts val="0"/>
+                        </a:spcAft>
+                      </a:pPr>
+                      <a:r>
+                        <a:rPr lang="en-US" sz="1800">
+                          <a:effectLst/>
+                          <a:latin typeface="Times" panose="02020603050405020304" pitchFamily="18" charset="0"/>
+                          <a:cs typeface="Times" panose="02020603050405020304" pitchFamily="18" charset="0"/>
+                        </a:rPr>
+                        <a:t>http://alonhadat.com.vn</a:t>
+                      </a:r>
+                      <a:endParaRPr lang="en-US" sz="1800">
+                        <a:effectLst/>
+                        <a:latin typeface="Times" panose="02020603050405020304" pitchFamily="18" charset="0"/>
+                        <a:ea typeface="Calibri" panose="020F0502020204030204" pitchFamily="34" charset="0"/>
+                        <a:cs typeface="Times" panose="02020603050405020304" pitchFamily="18" charset="0"/>
+                      </a:endParaRPr>
+                    </a:p>
+                  </a:txBody>
+                  <a:tcPr marL="68580" marR="68580" marT="0" marB="0"/>
+                </a:tc>
+                <a:tc>
+                  <a:txBody>
+                    <a:bodyPr/>
+                    <a:lstStyle/>
+                    <a:p>
+                      <a:pPr marL="457200" algn="ctr">
+                        <a:lnSpc>
+                          <a:spcPct val="150000"/>
+                        </a:lnSpc>
+                        <a:spcAft>
+                          <a:spcPts val="0"/>
+                        </a:spcAft>
+                      </a:pPr>
+                      <a:r>
+                        <a:rPr lang="en-US" sz="1800">
+                          <a:effectLst/>
+                          <a:latin typeface="Times" panose="02020603050405020304" pitchFamily="18" charset="0"/>
+                          <a:cs typeface="Times" panose="02020603050405020304" pitchFamily="18" charset="0"/>
+                        </a:rPr>
+                        <a:t>3933</a:t>
+                      </a:r>
+                      <a:endParaRPr lang="en-US" sz="1800">
+                        <a:effectLst/>
+                        <a:latin typeface="Times" panose="02020603050405020304" pitchFamily="18" charset="0"/>
+                        <a:ea typeface="Calibri" panose="020F0502020204030204" pitchFamily="34" charset="0"/>
+                        <a:cs typeface="Times" panose="02020603050405020304" pitchFamily="18" charset="0"/>
+                      </a:endParaRPr>
+                    </a:p>
+                  </a:txBody>
+                  <a:tcPr marL="68580" marR="68580" marT="0" marB="0"/>
+                </a:tc>
+                <a:extLst>
+                  <a:ext uri="{0D108BD9-81ED-4DB2-BD59-A6C34878D82A}">
+                    <a16:rowId xmlns:a16="http://schemas.microsoft.com/office/drawing/2014/main" val="848427474"/>
+                  </a:ext>
+                </a:extLst>
+              </a:tr>
+              <a:tr h="547343">
+                <a:tc>
+                  <a:txBody>
+                    <a:bodyPr/>
+                    <a:lstStyle/>
+                    <a:p>
+                      <a:pPr marL="457200" algn="l">
+                        <a:lnSpc>
+                          <a:spcPct val="150000"/>
+                        </a:lnSpc>
+                        <a:spcAft>
+                          <a:spcPts val="0"/>
+                        </a:spcAft>
+                      </a:pPr>
+                      <a:r>
+                        <a:rPr lang="en-US" sz="1800" dirty="0">
+                          <a:effectLst/>
+                          <a:latin typeface="Times" panose="02020603050405020304" pitchFamily="18" charset="0"/>
+                          <a:cs typeface="Times" panose="02020603050405020304" pitchFamily="18" charset="0"/>
+                        </a:rPr>
+                        <a:t>6</a:t>
+                      </a:r>
+                      <a:endParaRPr lang="en-US" sz="1800" dirty="0">
+                        <a:effectLst/>
+                        <a:latin typeface="Times" panose="02020603050405020304" pitchFamily="18" charset="0"/>
+                        <a:ea typeface="Calibri" panose="020F0502020204030204" pitchFamily="34" charset="0"/>
+                        <a:cs typeface="Times" panose="02020603050405020304" pitchFamily="18" charset="0"/>
+                      </a:endParaRPr>
+                    </a:p>
+                  </a:txBody>
+                  <a:tcPr marL="68580" marR="68580" marT="0" marB="0" anchor="ctr"/>
+                </a:tc>
+                <a:tc>
+                  <a:txBody>
+                    <a:bodyPr/>
+                    <a:lstStyle/>
+                    <a:p>
+                      <a:pPr marL="457200">
+                        <a:lnSpc>
+                          <a:spcPct val="150000"/>
+                        </a:lnSpc>
+                        <a:spcAft>
+                          <a:spcPts val="0"/>
+                        </a:spcAft>
+                      </a:pPr>
+                      <a:r>
+                        <a:rPr lang="en-US" sz="1800">
+                          <a:effectLst/>
+                          <a:latin typeface="Times" panose="02020603050405020304" pitchFamily="18" charset="0"/>
+                          <a:cs typeface="Times" panose="02020603050405020304" pitchFamily="18" charset="0"/>
+                        </a:rPr>
+                        <a:t>https://homedy.com</a:t>
+                      </a:r>
+                      <a:endParaRPr lang="en-US" sz="1800">
+                        <a:effectLst/>
+                        <a:latin typeface="Times" panose="02020603050405020304" pitchFamily="18" charset="0"/>
+                        <a:ea typeface="Calibri" panose="020F0502020204030204" pitchFamily="34" charset="0"/>
+                        <a:cs typeface="Times" panose="02020603050405020304" pitchFamily="18" charset="0"/>
+                      </a:endParaRPr>
+                    </a:p>
+                  </a:txBody>
+                  <a:tcPr marL="68580" marR="68580" marT="0" marB="0"/>
+                </a:tc>
+                <a:tc>
+                  <a:txBody>
+                    <a:bodyPr/>
+                    <a:lstStyle/>
+                    <a:p>
+                      <a:pPr marL="457200" algn="ctr">
+                        <a:lnSpc>
+                          <a:spcPct val="150000"/>
+                        </a:lnSpc>
+                        <a:spcAft>
+                          <a:spcPts val="0"/>
+                        </a:spcAft>
+                      </a:pPr>
+                      <a:r>
+                        <a:rPr lang="en-US" sz="1800" dirty="0">
+                          <a:effectLst/>
+                          <a:latin typeface="Times" panose="02020603050405020304" pitchFamily="18" charset="0"/>
+                          <a:cs typeface="Times" panose="02020603050405020304" pitchFamily="18" charset="0"/>
+                        </a:rPr>
+                        <a:t>20362</a:t>
+                      </a:r>
+                      <a:endParaRPr lang="en-US" sz="1800" dirty="0">
+                        <a:effectLst/>
+                        <a:latin typeface="Times" panose="02020603050405020304" pitchFamily="18" charset="0"/>
+                        <a:ea typeface="Calibri" panose="020F0502020204030204" pitchFamily="34" charset="0"/>
+                        <a:cs typeface="Times" panose="02020603050405020304" pitchFamily="18" charset="0"/>
+                      </a:endParaRPr>
+                    </a:p>
+                  </a:txBody>
+                  <a:tcPr marL="68580" marR="68580" marT="0" marB="0"/>
+                </a:tc>
+                <a:extLst>
+                  <a:ext uri="{0D108BD9-81ED-4DB2-BD59-A6C34878D82A}">
+                    <a16:rowId xmlns:a16="http://schemas.microsoft.com/office/drawing/2014/main" val="445892424"/>
+                  </a:ext>
+                </a:extLst>
+              </a:tr>
+            </a:tbl>
+          </a:graphicData>
+        </a:graphic>
+      </p:graphicFrame>
+    </p:spTree>
+    <p:extLst>
+      <p:ext uri="{BB962C8B-B14F-4D97-AF65-F5344CB8AC3E}">
+        <p14:creationId xmlns:p14="http://schemas.microsoft.com/office/powerpoint/2010/main" val="630489113"/>
+      </p:ext>
+    </p:extLst>
+  </p:cSld>
+  <p:clrMapOvr>
+    <a:masterClrMapping/>
+  </p:clrMapOvr>
+  <p:timing>
+    <p:tnLst>
+      <p:par>
+        <p:cTn id="1" dur="indefinite" restart="never" nodeType="tmRoot"/>
+      </p:par>
+    </p:tnLst>
+  </p:timing>
+</p:sld>
+</file>
+
+<file path=ppt/slides/slide13.xml><?xml version="1.0" encoding="utf-8"?>
+<p:sld xmlns:a="http://schemas.openxmlformats.org/drawingml/2006/main" xmlns:r="http://schemas.openxmlformats.org/officeDocument/2006/relationships" xmlns:p="http://schemas.openxmlformats.org/presentationml/2006/main">
+  <p:cSld>
+    <p:spTree>
+      <p:nvGrpSpPr>
+        <p:cNvPr id="1" name=""/>
+        <p:cNvGrpSpPr/>
+        <p:nvPr/>
+      </p:nvGrpSpPr>
+      <p:grpSpPr>
+        <a:xfrm>
+          <a:off x="0" y="0"/>
+          <a:ext cx="0" cy="0"/>
+          <a:chOff x="0" y="0"/>
+          <a:chExt cx="0" cy="0"/>
+        </a:xfrm>
+      </p:grpSpPr>
+      <p:sp>
+        <p:nvSpPr>
+          <p:cNvPr id="4" name="TextBox 3"/>
+          <p:cNvSpPr txBox="1"/>
+          <p:nvPr/>
+        </p:nvSpPr>
+        <p:spPr>
+          <a:xfrm>
+            <a:off x="4469473" y="3747381"/>
+            <a:ext cx="2937022" cy="1658274"/>
+          </a:xfrm>
+          <a:prstGeom prst="rect">
+            <a:avLst/>
+          </a:prstGeom>
+          <a:noFill/>
+        </p:spPr>
+        <p:txBody>
+          <a:bodyPr wrap="none" rtlCol="0">
+            <a:spAutoFit/>
+          </a:bodyPr>
+          <a:lstStyle/>
+          <a:p>
+            <a:pPr marL="6350" indent="-6350" algn="ctr">
+              <a:lnSpc>
+                <a:spcPct val="106000"/>
+              </a:lnSpc>
+              <a:spcAft>
+                <a:spcPts val="0"/>
+              </a:spcAft>
+            </a:pPr>
+            <a:r>
+              <a:rPr lang="en-US" sz="4800" b="1" kern="0" smtClean="0">
+                <a:solidFill>
+                  <a:srgbClr val="365F91"/>
+                </a:solidFill>
+                <a:latin typeface="Times New Roman" panose="02020603050405020304" pitchFamily="18" charset="0"/>
+                <a:ea typeface="Times New Roman" panose="02020603050405020304" pitchFamily="18" charset="0"/>
+              </a:rPr>
+              <a:t>THE END</a:t>
+            </a:r>
+          </a:p>
+          <a:p>
+            <a:pPr marL="6350" indent="-6350" algn="ctr">
+              <a:lnSpc>
+                <a:spcPct val="106000"/>
+              </a:lnSpc>
+              <a:spcAft>
+                <a:spcPts val="0"/>
+              </a:spcAft>
+            </a:pPr>
+            <a:r>
+              <a:rPr lang="en-US" sz="4800" b="1" kern="0">
+                <a:solidFill>
+                  <a:srgbClr val="365F91"/>
+                </a:solidFill>
+                <a:latin typeface="Times New Roman" panose="02020603050405020304" pitchFamily="18" charset="0"/>
+                <a:sym typeface="Symbol" panose="05050102010706020507" pitchFamily="18" charset="2"/>
+              </a:rPr>
+              <a:t></a:t>
+            </a:r>
+            <a:endParaRPr lang="en-US" sz="4000"/>
+          </a:p>
+        </p:txBody>
+      </p:sp>
+    </p:spTree>
+    <p:extLst>
+      <p:ext uri="{BB962C8B-B14F-4D97-AF65-F5344CB8AC3E}">
+        <p14:creationId xmlns:p14="http://schemas.microsoft.com/office/powerpoint/2010/main" val="1719428203"/>
       </p:ext>
     </p:extLst>
   </p:cSld>
@@ -3416,13 +4431,13 @@
           <a:p>
             <a:pPr algn="ctr"/>
             <a:r>
-              <a:rPr lang="en-US" sz="2400" dirty="0" smtClean="0">
+              <a:rPr lang="en-US" sz="2400" b="1" dirty="0" smtClean="0">
                 <a:latin typeface="Times" panose="02020603050405020304" pitchFamily="18" charset="0"/>
                 <a:cs typeface="Times" panose="02020603050405020304" pitchFamily="18" charset="0"/>
               </a:rPr>
               <a:t>NỘI DUNG BÁO CÁO:</a:t>
             </a:r>
-            <a:endParaRPr lang="en-US" sz="2400" dirty="0">
+            <a:endParaRPr lang="en-US" sz="2400" b="1" dirty="0">
               <a:latin typeface="Times" panose="02020603050405020304" pitchFamily="18" charset="0"/>
               <a:cs typeface="Times" panose="02020603050405020304" pitchFamily="18" charset="0"/>
             </a:endParaRPr>
@@ -3437,8 +4452,8 @@
         </p:nvSpPr>
         <p:spPr>
           <a:xfrm>
-            <a:off x="212436" y="2207491"/>
-            <a:ext cx="11314546" cy="2308324"/>
+            <a:off x="1385453" y="2789382"/>
+            <a:ext cx="9291782" cy="2308324"/>
           </a:xfrm>
           <a:prstGeom prst="rect">
             <a:avLst/>
@@ -3458,7 +4473,7 @@
               <a:buAutoNum type="romanUcPeriod"/>
             </a:pPr>
             <a:r>
-              <a:rPr lang="en-US" sz="2400" dirty="0" smtClean="0">
+              <a:rPr lang="en-US" sz="2400" b="1" dirty="0" smtClean="0">
                 <a:latin typeface="Times" panose="02020603050405020304" pitchFamily="18" charset="0"/>
                 <a:cs typeface="Times" panose="02020603050405020304" pitchFamily="18" charset="0"/>
               </a:rPr>
@@ -3473,7 +4488,7 @@
               <a:buAutoNum type="romanUcPeriod"/>
             </a:pPr>
             <a:r>
-              <a:rPr lang="en-US" sz="2400" dirty="0" smtClean="0">
+              <a:rPr lang="en-US" sz="2400" b="1" dirty="0" smtClean="0">
                 <a:latin typeface="Times" panose="02020603050405020304" pitchFamily="18" charset="0"/>
                 <a:cs typeface="Times" panose="02020603050405020304" pitchFamily="18" charset="0"/>
               </a:rPr>
@@ -3488,7 +4503,7 @@
               <a:buAutoNum type="romanUcPeriod"/>
             </a:pPr>
             <a:r>
-              <a:rPr lang="en-US" sz="2400" dirty="0" smtClean="0">
+              <a:rPr lang="en-US" sz="2400" b="1" dirty="0" smtClean="0">
                 <a:latin typeface="Times" panose="02020603050405020304" pitchFamily="18" charset="0"/>
                 <a:cs typeface="Times" panose="02020603050405020304" pitchFamily="18" charset="0"/>
               </a:rPr>
@@ -3503,7 +4518,7 @@
               <a:buAutoNum type="romanUcPeriod"/>
             </a:pPr>
             <a:r>
-              <a:rPr lang="en-US" sz="2400" dirty="0" smtClean="0">
+              <a:rPr lang="en-US" sz="2400" b="1" dirty="0" smtClean="0">
                 <a:latin typeface="Times" panose="02020603050405020304" pitchFamily="18" charset="0"/>
                 <a:cs typeface="Times" panose="02020603050405020304" pitchFamily="18" charset="0"/>
               </a:rPr>
@@ -3567,7 +4582,7 @@
         </p:spPr>
         <p:txBody>
           <a:bodyPr>
-            <a:normAutofit lnSpcReduction="10000"/>
+            <a:normAutofit/>
           </a:bodyPr>
           <a:lstStyle/>
           <a:p>
@@ -3581,26 +4596,30 @@
               <a:buNone/>
             </a:pPr>
             <a:r>
-              <a:rPr lang="en-US" sz="2400" dirty="0" smtClean="0">
+              <a:rPr lang="en-US" sz="2400" b="1" dirty="0" smtClean="0">
                 <a:latin typeface="Times" panose="02020603050405020304" pitchFamily="18" charset="0"/>
                 <a:cs typeface="Times" panose="02020603050405020304" pitchFamily="18" charset="0"/>
               </a:rPr>
               <a:t>REST: Representational </a:t>
             </a:r>
             <a:r>
-              <a:rPr lang="en-US" sz="2400" dirty="0">
+              <a:rPr lang="en-US" sz="2400" b="1" dirty="0">
                 <a:latin typeface="Times" panose="02020603050405020304" pitchFamily="18" charset="0"/>
                 <a:cs typeface="Times" panose="02020603050405020304" pitchFamily="18" charset="0"/>
               </a:rPr>
               <a:t>State </a:t>
             </a:r>
             <a:r>
-              <a:rPr lang="en-US" sz="2400" dirty="0" smtClean="0">
+              <a:rPr lang="en-US" sz="2400" b="1" dirty="0" smtClean="0">
                 <a:latin typeface="Times" panose="02020603050405020304" pitchFamily="18" charset="0"/>
                 <a:cs typeface="Times" panose="02020603050405020304" pitchFamily="18" charset="0"/>
               </a:rPr>
-              <a:t>Tranfer</a:t>
-            </a:r>
+              <a:t>Transfer</a:t>
+            </a:r>
+            <a:endParaRPr lang="en-US" sz="2400" b="1" dirty="0" smtClean="0">
+              <a:latin typeface="Times" panose="02020603050405020304" pitchFamily="18" charset="0"/>
+              <a:cs typeface="Times" panose="02020603050405020304" pitchFamily="18" charset="0"/>
+            </a:endParaRPr>
           </a:p>
           <a:p>
             <a:pPr>
@@ -3658,14 +4677,28 @@
                 <a:latin typeface="Times" panose="02020603050405020304" pitchFamily="18" charset="0"/>
                 <a:cs typeface="Times" panose="02020603050405020304" pitchFamily="18" charset="0"/>
               </a:rPr>
-              <a:t> REST </a:t>
+              <a:t> </a:t>
+            </a:r>
+            <a:r>
+              <a:rPr lang="en-US" sz="2400" b="1" dirty="0" smtClean="0">
+                <a:latin typeface="Times" panose="02020603050405020304" pitchFamily="18" charset="0"/>
+                <a:cs typeface="Times" panose="02020603050405020304" pitchFamily="18" charset="0"/>
+              </a:rPr>
+              <a:t>REST </a:t>
+            </a:r>
+            <a:r>
+              <a:rPr lang="en-US" sz="2400" b="1" dirty="0">
+                <a:latin typeface="Times" panose="02020603050405020304" pitchFamily="18" charset="0"/>
+                <a:cs typeface="Times" panose="02020603050405020304" pitchFamily="18" charset="0"/>
+              </a:rPr>
+              <a:t>Server </a:t>
             </a:r>
             <a:r>
               <a:rPr lang="en-US" sz="2400" dirty="0">
                 <a:latin typeface="Times" panose="02020603050405020304" pitchFamily="18" charset="0"/>
                 <a:cs typeface="Times" panose="02020603050405020304" pitchFamily="18" charset="0"/>
               </a:rPr>
-              <a:t>Server cung cấp các chế độ truy cập đến nguồn tài </a:t>
+              <a:t>cung cấp các chế độ truy cập đến nguồn tài </a:t>
             </a:r>
             <a:r>
               <a:rPr lang="en-US" sz="2400" dirty="0" smtClean="0">
@@ -3691,7 +4724,42 @@
                 <a:latin typeface="Times" panose="02020603050405020304" pitchFamily="18" charset="0"/>
                 <a:cs typeface="Times" panose="02020603050405020304" pitchFamily="18" charset="0"/>
               </a:rPr>
-              <a:t> REST Client truy cập và sửa đổi các nguồn tài nguyên này bởi sử dụng phương thức HTTP</a:t>
+              <a:t> </a:t>
+            </a:r>
+            <a:r>
+              <a:rPr lang="en-US" sz="2400" b="1" dirty="0">
+                <a:latin typeface="Times" panose="02020603050405020304" pitchFamily="18" charset="0"/>
+                <a:cs typeface="Times" panose="02020603050405020304" pitchFamily="18" charset="0"/>
+              </a:rPr>
+              <a:t>REST Client </a:t>
+            </a:r>
+            <a:r>
+              <a:rPr lang="en-US" sz="2400" dirty="0">
+                <a:latin typeface="Times" panose="02020603050405020304" pitchFamily="18" charset="0"/>
+                <a:cs typeface="Times" panose="02020603050405020304" pitchFamily="18" charset="0"/>
+              </a:rPr>
+              <a:t>truy cập và sửa đổi các nguồn tài nguyên này </a:t>
+            </a:r>
+            <a:r>
+              <a:rPr lang="en-US" sz="2400" dirty="0" smtClean="0">
+                <a:latin typeface="Times" panose="02020603050405020304" pitchFamily="18" charset="0"/>
+                <a:cs typeface="Times" panose="02020603050405020304" pitchFamily="18" charset="0"/>
+              </a:rPr>
+              <a:t>bằng</a:t>
+            </a:r>
+            <a:r>
+              <a:rPr lang="en-US" sz="2400" dirty="0" smtClean="0">
+                <a:latin typeface="Times" panose="02020603050405020304" pitchFamily="18" charset="0"/>
+                <a:cs typeface="Times" panose="02020603050405020304" pitchFamily="18" charset="0"/>
+              </a:rPr>
+              <a:t> phương </a:t>
+            </a:r>
+            <a:r>
+              <a:rPr lang="en-US" sz="2400" dirty="0">
+                <a:latin typeface="Times" panose="02020603050405020304" pitchFamily="18" charset="0"/>
+                <a:cs typeface="Times" panose="02020603050405020304" pitchFamily="18" charset="0"/>
+              </a:rPr>
+              <a:t>thức HTTP</a:t>
             </a:r>
             <a:r>
               <a:rPr lang="en-US" sz="2400" dirty="0" smtClean="0">
@@ -3830,6 +4898,68 @@
 </file>
 
 <file path=ppt/slides/slide4.xml><?xml version="1.0" encoding="utf-8"?>
+<p:sld xmlns:a="http://schemas.openxmlformats.org/drawingml/2006/main" xmlns:r="http://schemas.openxmlformats.org/officeDocument/2006/relationships" xmlns:p="http://schemas.openxmlformats.org/presentationml/2006/main">
+  <p:cSld>
+    <p:spTree>
+      <p:nvGrpSpPr>
+        <p:cNvPr id="1" name=""/>
+        <p:cNvGrpSpPr/>
+        <p:nvPr/>
+      </p:nvGrpSpPr>
+      <p:grpSpPr>
+        <a:xfrm>
+          <a:off x="0" y="0"/>
+          <a:ext cx="0" cy="0"/>
+          <a:chOff x="0" y="0"/>
+          <a:chExt cx="0" cy="0"/>
+        </a:xfrm>
+      </p:grpSpPr>
+      <p:pic>
+        <p:nvPicPr>
+          <p:cNvPr id="4" name="Content Placeholder 3"/>
+          <p:cNvPicPr>
+            <a:picLocks noGrp="1"/>
+          </p:cNvPicPr>
+          <p:nvPr>
+            <p:ph idx="1"/>
+          </p:nvPr>
+        </p:nvPicPr>
+        <p:blipFill>
+          <a:blip r:embed="rId2">
+            <a:extLst>
+              <a:ext uri="{28A0092B-C50C-407E-A947-70E740481C1C}">
+                <a14:useLocalDpi xmlns:a14="http://schemas.microsoft.com/office/drawing/2010/main" val="0"/>
+              </a:ext>
+            </a:extLst>
+          </a:blip>
+          <a:stretch>
+            <a:fillRect/>
+          </a:stretch>
+        </p:blipFill>
+        <p:spPr>
+          <a:xfrm>
+            <a:off x="526473" y="1661030"/>
+            <a:ext cx="11083636" cy="4942970"/>
+          </a:xfrm>
+          <a:prstGeom prst="rect">
+            <a:avLst/>
+          </a:prstGeom>
+        </p:spPr>
+      </p:pic>
+    </p:spTree>
+    <p:extLst>
+      <p:ext uri="{BB962C8B-B14F-4D97-AF65-F5344CB8AC3E}">
+        <p14:creationId xmlns:p14="http://schemas.microsoft.com/office/powerpoint/2010/main" val="3707953950"/>
+      </p:ext>
+    </p:extLst>
+  </p:cSld>
+  <p:clrMapOvr>
+    <a:masterClrMapping/>
+  </p:clrMapOvr>
+</p:sld>
+</file>
+
+<file path=ppt/slides/slide5.xml><?xml version="1.0" encoding="utf-8"?>
 <p:sld xmlns:a="http://schemas.openxmlformats.org/drawingml/2006/main" xmlns:r="http://schemas.openxmlformats.org/officeDocument/2006/relationships" xmlns:p="http://schemas.openxmlformats.org/presentationml/2006/main">
   <p:cSld>
     <p:spTree>
@@ -3911,11 +5041,18 @@
           </a:p>
           <a:p>
             <a:r>
+              <a:rPr lang="vi-VN" sz="2400" b="1" i="1" dirty="0">
+                <a:latin typeface="Times" panose="02020603050405020304" pitchFamily="18" charset="0"/>
+                <a:cs typeface="Times" panose="02020603050405020304" pitchFamily="18" charset="0"/>
+              </a:rPr>
+              <a:t>Swagger</a:t>
+            </a:r>
+            <a:r>
               <a:rPr lang="vi-VN" sz="2400" dirty="0">
                 <a:latin typeface="Times" panose="02020603050405020304" pitchFamily="18" charset="0"/>
                 <a:cs typeface="Times" panose="02020603050405020304" pitchFamily="18" charset="0"/>
               </a:rPr>
-              <a:t>Swagger là một công cụ open source khá đơn giản nhưng lại vô cùng mạnh mẽ. </a:t>
+              <a:t> là một công cụ open source khá đơn giản nhưng lại vô cùng mạnh mẽ. </a:t>
             </a:r>
             <a:endParaRPr lang="en-US" sz="2400" dirty="0">
               <a:latin typeface="Times" panose="02020603050405020304" pitchFamily="18" charset="0"/>
@@ -3962,199 +5099,6 @@
     <p:extLst>
       <p:ext uri="{BB962C8B-B14F-4D97-AF65-F5344CB8AC3E}">
         <p14:creationId xmlns:p14="http://schemas.microsoft.com/office/powerpoint/2010/main" val="944398665"/>
-      </p:ext>
-    </p:extLst>
-  </p:cSld>
-  <p:clrMapOvr>
-    <a:masterClrMapping/>
-  </p:clrMapOvr>
-  <p:timing>
-    <p:tnLst>
-      <p:par>
-        <p:cTn id="1" dur="indefinite" restart="never" nodeType="tmRoot"/>
-      </p:par>
-    </p:tnLst>
-  </p:timing>
-</p:sld>
-</file>
-
-<file path=ppt/slides/slide5.xml><?xml version="1.0" encoding="utf-8"?>
-<p:sld xmlns:a="http://schemas.openxmlformats.org/drawingml/2006/main" xmlns:r="http://schemas.openxmlformats.org/officeDocument/2006/relationships" xmlns:p="http://schemas.openxmlformats.org/presentationml/2006/main">
-  <p:cSld>
-    <p:spTree>
-      <p:nvGrpSpPr>
-        <p:cNvPr id="1" name=""/>
-        <p:cNvGrpSpPr/>
-        <p:nvPr/>
-      </p:nvGrpSpPr>
-      <p:grpSpPr>
-        <a:xfrm>
-          <a:off x="0" y="0"/>
-          <a:ext cx="0" cy="0"/>
-          <a:chOff x="0" y="0"/>
-          <a:chExt cx="0" cy="0"/>
-        </a:xfrm>
-      </p:grpSpPr>
-      <p:sp>
-        <p:nvSpPr>
-          <p:cNvPr id="3" name="Content Placeholder 2"/>
-          <p:cNvSpPr>
-            <a:spLocks noGrp="1"/>
-          </p:cNvSpPr>
-          <p:nvPr>
-            <p:ph idx="1"/>
-          </p:nvPr>
-        </p:nvSpPr>
-        <p:spPr>
-          <a:xfrm>
-            <a:off x="618836" y="1477818"/>
-            <a:ext cx="10734964" cy="4699145"/>
-          </a:xfrm>
-        </p:spPr>
-        <p:txBody>
-          <a:bodyPr/>
-          <a:lstStyle/>
-          <a:p>
-            <a:pPr marL="0" indent="0">
-              <a:buNone/>
-            </a:pPr>
-            <a:endParaRPr lang="en-US" dirty="0" smtClean="0">
-              <a:latin typeface="+mj-lt"/>
-            </a:endParaRPr>
-          </a:p>
-          <a:p>
-            <a:pPr marL="0" indent="0">
-              <a:buNone/>
-            </a:pPr>
-            <a:r>
-              <a:rPr lang="vi-VN" dirty="0" smtClean="0">
-                <a:latin typeface="+mj-lt"/>
-              </a:rPr>
-              <a:t>Do </a:t>
-            </a:r>
-            <a:r>
-              <a:rPr lang="vi-VN" dirty="0">
-                <a:latin typeface="+mj-lt"/>
-              </a:rPr>
-              <a:t>cung cấp các tool khá đa dạng nên việc viết document bằng swagger cũng có 2 cách tiếp cận</a:t>
-            </a:r>
-            <a:r>
-              <a:rPr lang="vi-VN" dirty="0" smtClean="0">
-                <a:latin typeface="+mj-lt"/>
-              </a:rPr>
-              <a:t>:</a:t>
-            </a:r>
-            <a:endParaRPr lang="en-US" dirty="0" smtClean="0">
-              <a:latin typeface="+mj-lt"/>
-            </a:endParaRPr>
-          </a:p>
-          <a:p>
-            <a:pPr marL="0" indent="0">
-              <a:buNone/>
-            </a:pPr>
-            <a:endParaRPr lang="vi-VN" dirty="0">
-              <a:latin typeface="+mj-lt"/>
-            </a:endParaRPr>
-          </a:p>
-          <a:p>
-            <a:pPr marL="0" indent="0">
-              <a:buNone/>
-            </a:pPr>
-            <a:r>
-              <a:rPr lang="vi-VN" dirty="0">
-                <a:latin typeface="+mj-lt"/>
-              </a:rPr>
-              <a:t>•	Top-down approach: Nghĩa là chúng ta sẽ design lên các </a:t>
-            </a:r>
-            <a:r>
-              <a:rPr lang="en-US" dirty="0" smtClean="0">
-                <a:latin typeface="+mj-lt"/>
-              </a:rPr>
-              <a:t>API</a:t>
-            </a:r>
-            <a:r>
-              <a:rPr lang="vi-VN" dirty="0" smtClean="0">
-                <a:latin typeface="+mj-lt"/>
-              </a:rPr>
-              <a:t> </a:t>
-            </a:r>
-            <a:r>
-              <a:rPr lang="vi-VN" dirty="0">
-                <a:latin typeface="+mj-lt"/>
-              </a:rPr>
-              <a:t>trước khi viết </a:t>
-            </a:r>
-            <a:r>
-              <a:rPr lang="vi-VN" dirty="0" smtClean="0">
-                <a:latin typeface="+mj-lt"/>
-              </a:rPr>
-              <a:t>code</a:t>
-            </a:r>
-            <a:endParaRPr lang="en-US" dirty="0" smtClean="0">
-              <a:latin typeface="+mj-lt"/>
-            </a:endParaRPr>
-          </a:p>
-          <a:p>
-            <a:pPr marL="0" indent="0">
-              <a:buNone/>
-            </a:pPr>
-            <a:endParaRPr lang="vi-VN" dirty="0">
-              <a:latin typeface="+mj-lt"/>
-            </a:endParaRPr>
-          </a:p>
-          <a:p>
-            <a:pPr marL="0" indent="0">
-              <a:buNone/>
-            </a:pPr>
-            <a:r>
-              <a:rPr lang="vi-VN" dirty="0">
-                <a:latin typeface="+mj-lt"/>
-              </a:rPr>
-              <a:t>•	Bottom-up approach: Nghĩa là từ các </a:t>
-            </a:r>
-            <a:r>
-              <a:rPr lang="en-US" dirty="0" smtClean="0">
-                <a:latin typeface="+mj-lt"/>
-              </a:rPr>
-              <a:t>API</a:t>
-            </a:r>
-            <a:r>
-              <a:rPr lang="vi-VN" dirty="0" smtClean="0">
-                <a:latin typeface="+mj-lt"/>
-              </a:rPr>
-              <a:t> </a:t>
-            </a:r>
-            <a:r>
-              <a:rPr lang="vi-VN" dirty="0">
-                <a:latin typeface="+mj-lt"/>
-              </a:rPr>
-              <a:t>có sẵn sẽ generate ra </a:t>
-            </a:r>
-            <a:r>
-              <a:rPr lang="en-US" dirty="0" smtClean="0">
-                <a:latin typeface="+mj-lt"/>
-              </a:rPr>
-              <a:t>một </a:t>
-            </a:r>
-            <a:r>
-              <a:rPr lang="vi-VN" dirty="0" smtClean="0">
-                <a:latin typeface="+mj-lt"/>
-              </a:rPr>
-              <a:t>file </a:t>
-            </a:r>
-            <a:r>
-              <a:rPr lang="vi-VN" dirty="0">
-                <a:latin typeface="+mj-lt"/>
-              </a:rPr>
-              <a:t>config</a:t>
-            </a:r>
-          </a:p>
-        </p:txBody>
-      </p:sp>
-    </p:spTree>
-    <p:extLst>
-      <p:ext uri="{BB962C8B-B14F-4D97-AF65-F5344CB8AC3E}">
-        <p14:creationId xmlns:p14="http://schemas.microsoft.com/office/powerpoint/2010/main" val="2236130882"/>
       </p:ext>
     </p:extLst>
   </p:cSld>
@@ -4188,34 +5132,185 @@
           <a:chExt cx="0" cy="0"/>
         </a:xfrm>
       </p:grpSpPr>
-      <p:pic>
-        <p:nvPicPr>
-          <p:cNvPr id="5" name="Picture 4"/>
-          <p:cNvPicPr>
-            <a:picLocks noChangeAspect="1"/>
-          </p:cNvPicPr>
-          <p:nvPr/>
-        </p:nvPicPr>
-        <p:blipFill>
-          <a:blip r:embed="rId2"/>
-          <a:stretch>
-            <a:fillRect/>
-          </a:stretch>
-        </p:blipFill>
+      <p:sp>
+        <p:nvSpPr>
+          <p:cNvPr id="3" name="Content Placeholder 2"/>
+          <p:cNvSpPr>
+            <a:spLocks noGrp="1"/>
+          </p:cNvSpPr>
+          <p:nvPr>
+            <p:ph idx="1"/>
+          </p:nvPr>
+        </p:nvSpPr>
         <p:spPr>
           <a:xfrm>
-            <a:off x="157019" y="1466423"/>
-            <a:ext cx="11896436" cy="5326921"/>
+            <a:off x="618836" y="1477818"/>
+            <a:ext cx="10734964" cy="4699145"/>
           </a:xfrm>
-          <a:prstGeom prst="rect">
-            <a:avLst/>
-          </a:prstGeom>
         </p:spPr>
-      </p:pic>
+        <p:txBody>
+          <a:bodyPr/>
+          <a:lstStyle/>
+          <a:p>
+            <a:pPr marL="0" indent="0">
+              <a:buNone/>
+            </a:pPr>
+            <a:r>
+              <a:rPr lang="vi-VN" dirty="0" smtClean="0">
+                <a:latin typeface="+mj-lt"/>
+              </a:rPr>
+              <a:t>Do </a:t>
+            </a:r>
+            <a:r>
+              <a:rPr lang="vi-VN" dirty="0">
+                <a:latin typeface="+mj-lt"/>
+              </a:rPr>
+              <a:t>cung cấp các tool khá đa dạng nên việc viết document bằng swagger cũng có 2 cách tiếp cận</a:t>
+            </a:r>
+            <a:r>
+              <a:rPr lang="vi-VN" dirty="0" smtClean="0">
+                <a:latin typeface="+mj-lt"/>
+              </a:rPr>
+              <a:t>:</a:t>
+            </a:r>
+            <a:endParaRPr lang="en-US" dirty="0" smtClean="0">
+              <a:latin typeface="+mj-lt"/>
+            </a:endParaRPr>
+          </a:p>
+          <a:p>
+            <a:pPr marL="0" indent="0">
+              <a:buNone/>
+            </a:pPr>
+            <a:endParaRPr lang="vi-VN" dirty="0">
+              <a:latin typeface="+mj-lt"/>
+            </a:endParaRPr>
+          </a:p>
+          <a:p>
+            <a:pPr lvl="1">
+              <a:buFont typeface="Wingdings" panose="05000000000000000000" pitchFamily="2" charset="2"/>
+              <a:buChar char="Ø"/>
+            </a:pPr>
+            <a:r>
+              <a:rPr lang="vi-VN" sz="2800" b="1" dirty="0" smtClean="0">
+                <a:latin typeface="+mj-lt"/>
+              </a:rPr>
+              <a:t>Top-down </a:t>
+            </a:r>
+            <a:r>
+              <a:rPr lang="vi-VN" sz="2800" b="1" dirty="0">
+                <a:latin typeface="+mj-lt"/>
+              </a:rPr>
+              <a:t>approach</a:t>
+            </a:r>
+            <a:r>
+              <a:rPr lang="vi-VN" sz="2800" dirty="0">
+                <a:latin typeface="+mj-lt"/>
+              </a:rPr>
+              <a:t>: Nghĩa là chúng ta sẽ design lên các </a:t>
+            </a:r>
+            <a:r>
+              <a:rPr lang="en-US" sz="2800" dirty="0" smtClean="0">
+                <a:latin typeface="+mj-lt"/>
+              </a:rPr>
+              <a:t>API</a:t>
+            </a:r>
+            <a:r>
+              <a:rPr lang="vi-VN" sz="2800" dirty="0" smtClean="0">
+                <a:latin typeface="+mj-lt"/>
+              </a:rPr>
+              <a:t> </a:t>
+            </a:r>
+            <a:r>
+              <a:rPr lang="vi-VN" sz="2800" dirty="0">
+                <a:latin typeface="+mj-lt"/>
+              </a:rPr>
+              <a:t>trước khi viết </a:t>
+            </a:r>
+            <a:r>
+              <a:rPr lang="vi-VN" sz="2800" dirty="0" smtClean="0">
+                <a:latin typeface="+mj-lt"/>
+              </a:rPr>
+              <a:t>code</a:t>
+            </a:r>
+            <a:endParaRPr lang="en-US" sz="2800" dirty="0" smtClean="0">
+              <a:latin typeface="+mj-lt"/>
+            </a:endParaRPr>
+          </a:p>
+          <a:p>
+            <a:pPr>
+              <a:buFont typeface="Wingdings" panose="05000000000000000000" pitchFamily="2" charset="2"/>
+              <a:buChar char="Ø"/>
+            </a:pPr>
+            <a:endParaRPr lang="vi-VN" dirty="0">
+              <a:latin typeface="+mj-lt"/>
+            </a:endParaRPr>
+          </a:p>
+          <a:p>
+            <a:pPr lvl="1">
+              <a:buFont typeface="Wingdings" panose="05000000000000000000" pitchFamily="2" charset="2"/>
+              <a:buChar char="Ø"/>
+            </a:pPr>
+            <a:r>
+              <a:rPr lang="vi-VN" sz="2800" b="1" dirty="0" smtClean="0">
+                <a:latin typeface="+mj-lt"/>
+              </a:rPr>
+              <a:t>Bottom-up </a:t>
+            </a:r>
+            <a:r>
+              <a:rPr lang="vi-VN" sz="2800" b="1" dirty="0">
+                <a:latin typeface="+mj-lt"/>
+              </a:rPr>
+              <a:t>approach</a:t>
+            </a:r>
+            <a:r>
+              <a:rPr lang="vi-VN" sz="2800" dirty="0">
+                <a:latin typeface="+mj-lt"/>
+              </a:rPr>
+              <a:t>: Nghĩa là từ các </a:t>
+            </a:r>
+            <a:r>
+              <a:rPr lang="en-US" sz="2800" dirty="0" smtClean="0">
+                <a:latin typeface="+mj-lt"/>
+              </a:rPr>
+              <a:t>API</a:t>
+            </a:r>
+            <a:r>
+              <a:rPr lang="vi-VN" sz="2800" dirty="0" smtClean="0">
+                <a:latin typeface="+mj-lt"/>
+              </a:rPr>
+              <a:t> </a:t>
+            </a:r>
+            <a:r>
+              <a:rPr lang="vi-VN" sz="2800" dirty="0">
+                <a:latin typeface="+mj-lt"/>
+              </a:rPr>
+              <a:t>có sẵn sẽ generate ra </a:t>
+            </a:r>
+            <a:r>
+              <a:rPr lang="en-US" sz="2800" dirty="0" smtClean="0">
+                <a:latin typeface="+mj-lt"/>
+              </a:rPr>
+              <a:t>một </a:t>
+            </a:r>
+            <a:r>
+              <a:rPr lang="vi-VN" sz="2800" dirty="0" smtClean="0">
+                <a:latin typeface="+mj-lt"/>
+              </a:rPr>
+              <a:t>file </a:t>
+            </a:r>
+            <a:r>
+              <a:rPr lang="vi-VN" sz="2800" dirty="0">
+                <a:latin typeface="+mj-lt"/>
+              </a:rPr>
+              <a:t>config</a:t>
+            </a:r>
+          </a:p>
+        </p:txBody>
+      </p:sp>
     </p:spTree>
     <p:extLst>
       <p:ext uri="{BB962C8B-B14F-4D97-AF65-F5344CB8AC3E}">
-        <p14:creationId xmlns:p14="http://schemas.microsoft.com/office/powerpoint/2010/main" val="786677019"/>
+        <p14:creationId xmlns:p14="http://schemas.microsoft.com/office/powerpoint/2010/main" val="2236130882"/>
       </p:ext>
     </p:extLst>
   </p:cSld>
@@ -4249,306 +5344,56 @@
           <a:chExt cx="0" cy="0"/>
         </a:xfrm>
       </p:grpSpPr>
-      <p:sp>
-        <p:nvSpPr>
-          <p:cNvPr id="3" name="Content Placeholder 2"/>
-          <p:cNvSpPr>
-            <a:spLocks noGrp="1"/>
-          </p:cNvSpPr>
-          <p:nvPr>
-            <p:ph idx="1"/>
-          </p:nvPr>
-        </p:nvSpPr>
+      <p:pic>
+        <p:nvPicPr>
+          <p:cNvPr id="5" name="Picture 4"/>
+          <p:cNvPicPr>
+            <a:picLocks noChangeAspect="1"/>
+          </p:cNvPicPr>
+          <p:nvPr/>
+        </p:nvPicPr>
+        <p:blipFill>
+          <a:blip r:embed="rId2"/>
+          <a:stretch>
+            <a:fillRect/>
+          </a:stretch>
+        </p:blipFill>
         <p:spPr>
           <a:xfrm>
-            <a:off x="157017" y="1431636"/>
-            <a:ext cx="11868727" cy="5320146"/>
-          </a:xfrm>
-        </p:spPr>
-        <p:txBody>
-          <a:bodyPr/>
-          <a:lstStyle/>
-          <a:p>
-            <a:pPr marL="0" indent="0">
-              <a:buNone/>
-            </a:pPr>
-            <a:r>
-              <a:rPr lang="en-US" sz="2400" b="1" dirty="0" smtClean="0">
-                <a:latin typeface="Times" panose="02020603050405020304" pitchFamily="18" charset="0"/>
-                <a:cs typeface="Times" panose="02020603050405020304" pitchFamily="18" charset="0"/>
-              </a:rPr>
-              <a:t>Giải thuật Crawler</a:t>
-            </a:r>
-          </a:p>
-          <a:p>
-            <a:pPr marL="0" indent="0">
-              <a:buNone/>
-            </a:pPr>
-            <a:r>
-              <a:rPr lang="en-US" sz="1600" dirty="0" smtClean="0">
-                <a:latin typeface="Times" panose="02020603050405020304" pitchFamily="18" charset="0"/>
-                <a:cs typeface="Times" panose="02020603050405020304" pitchFamily="18" charset="0"/>
-              </a:rPr>
-              <a:t> </a:t>
-            </a:r>
-            <a:endParaRPr lang="en-US" sz="1600" dirty="0">
-              <a:latin typeface="Times" panose="02020603050405020304" pitchFamily="18" charset="0"/>
-              <a:cs typeface="Times" panose="02020603050405020304" pitchFamily="18" charset="0"/>
-            </a:endParaRPr>
-          </a:p>
-        </p:txBody>
-      </p:sp>
-      <p:sp>
-        <p:nvSpPr>
-          <p:cNvPr id="27" name="Rectangle 26"/>
-          <p:cNvSpPr/>
-          <p:nvPr/>
-        </p:nvSpPr>
-        <p:spPr>
-          <a:xfrm>
-            <a:off x="272467" y="2650830"/>
-            <a:ext cx="1177638" cy="1006764"/>
+            <a:off x="157019" y="1466423"/>
+            <a:ext cx="9861282" cy="4415631"/>
           </a:xfrm>
           <a:prstGeom prst="rect">
             <a:avLst/>
           </a:prstGeom>
         </p:spPr>
-        <p:style>
-          <a:lnRef idx="1">
-            <a:schemeClr val="accent3"/>
-          </a:lnRef>
-          <a:fillRef idx="2">
-            <a:schemeClr val="accent3"/>
-          </a:fillRef>
-          <a:effectRef idx="1">
-            <a:schemeClr val="accent3"/>
-          </a:effectRef>
-          <a:fontRef idx="minor">
-            <a:schemeClr val="dk1"/>
-          </a:fontRef>
-        </p:style>
-        <p:txBody>
-          <a:bodyPr rtlCol="0" anchor="ctr"/>
-          <a:lstStyle/>
-          <a:p>
-            <a:pPr algn="ctr"/>
-            <a:r>
-              <a:rPr lang="en-US" sz="1600" dirty="0" smtClean="0">
-                <a:latin typeface="Times" panose="02020603050405020304" pitchFamily="18" charset="0"/>
-                <a:cs typeface="Times" panose="02020603050405020304" pitchFamily="18" charset="0"/>
-              </a:rPr>
-              <a:t>Get all site</a:t>
-            </a:r>
-            <a:endParaRPr lang="en-US" sz="1600" dirty="0">
-              <a:latin typeface="Times" panose="02020603050405020304" pitchFamily="18" charset="0"/>
-              <a:cs typeface="Times" panose="02020603050405020304" pitchFamily="18" charset="0"/>
-            </a:endParaRPr>
-          </a:p>
-        </p:txBody>
-      </p:sp>
-      <p:sp>
-        <p:nvSpPr>
-          <p:cNvPr id="28" name="Rectangle 27"/>
+      </p:pic>
+      <p:sp>
+        <p:nvSpPr>
+          <p:cNvPr id="2" name="Oval 1"/>
           <p:cNvSpPr/>
           <p:nvPr/>
         </p:nvSpPr>
         <p:spPr>
           <a:xfrm>
-            <a:off x="2195364" y="2641592"/>
-            <a:ext cx="1348508" cy="1006764"/>
+            <a:off x="10234246" y="1538653"/>
+            <a:ext cx="1755531" cy="1195754"/>
           </a:xfrm>
-          <a:prstGeom prst="rect">
-            <a:avLst/>
-          </a:prstGeom>
-        </p:spPr>
-        <p:style>
-          <a:lnRef idx="1">
-            <a:schemeClr val="accent3"/>
-          </a:lnRef>
-          <a:fillRef idx="2">
-            <a:schemeClr val="accent3"/>
-          </a:fillRef>
-          <a:effectRef idx="1">
-            <a:schemeClr val="accent3"/>
-          </a:effectRef>
-          <a:fontRef idx="minor">
-            <a:schemeClr val="dk1"/>
-          </a:fontRef>
-        </p:style>
-        <p:txBody>
-          <a:bodyPr rtlCol="0" anchor="ctr"/>
-          <a:lstStyle/>
-          <a:p>
-            <a:pPr algn="ctr"/>
-            <a:r>
-              <a:rPr lang="en-US" sz="1600" dirty="0" smtClean="0">
-                <a:latin typeface="Times" panose="02020603050405020304" pitchFamily="18" charset="0"/>
-                <a:cs typeface="Times" panose="02020603050405020304" pitchFamily="18" charset="0"/>
-              </a:rPr>
-              <a:t>Get all pattern by site</a:t>
-            </a:r>
-            <a:endParaRPr lang="en-US" sz="1600" dirty="0">
-              <a:latin typeface="Times" panose="02020603050405020304" pitchFamily="18" charset="0"/>
-              <a:cs typeface="Times" panose="02020603050405020304" pitchFamily="18" charset="0"/>
-            </a:endParaRPr>
-          </a:p>
-        </p:txBody>
-      </p:sp>
-      <p:sp>
-        <p:nvSpPr>
-          <p:cNvPr id="29" name="Rectangle 28"/>
-          <p:cNvSpPr/>
-          <p:nvPr/>
-        </p:nvSpPr>
-        <p:spPr>
-          <a:xfrm>
-            <a:off x="4320879" y="2641592"/>
-            <a:ext cx="2262908" cy="1006764"/>
-          </a:xfrm>
-          <a:prstGeom prst="rect">
-            <a:avLst/>
-          </a:prstGeom>
-        </p:spPr>
-        <p:style>
-          <a:lnRef idx="1">
-            <a:schemeClr val="accent3"/>
-          </a:lnRef>
-          <a:fillRef idx="2">
-            <a:schemeClr val="accent3"/>
-          </a:fillRef>
-          <a:effectRef idx="1">
-            <a:schemeClr val="accent3"/>
-          </a:effectRef>
-          <a:fontRef idx="minor">
-            <a:schemeClr val="dk1"/>
-          </a:fontRef>
-        </p:style>
-        <p:txBody>
-          <a:bodyPr rtlCol="0" anchor="ctr"/>
-          <a:lstStyle/>
-          <a:p>
-            <a:r>
-              <a:rPr lang="en-US" sz="1600" dirty="0">
-                <a:latin typeface="Times" panose="02020603050405020304" pitchFamily="18" charset="0"/>
-                <a:cs typeface="Times" panose="02020603050405020304" pitchFamily="18" charset="0"/>
-              </a:rPr>
-              <a:t>Collect url of post from each site with pattern</a:t>
-            </a:r>
-          </a:p>
-        </p:txBody>
-      </p:sp>
-      <p:sp>
-        <p:nvSpPr>
-          <p:cNvPr id="30" name="Rectangle 29"/>
-          <p:cNvSpPr/>
-          <p:nvPr/>
-        </p:nvSpPr>
-        <p:spPr>
-          <a:xfrm>
-            <a:off x="7391545" y="2650830"/>
-            <a:ext cx="2281382" cy="1006764"/>
-          </a:xfrm>
-          <a:prstGeom prst="rect">
-            <a:avLst/>
-          </a:prstGeom>
-        </p:spPr>
-        <p:style>
-          <a:lnRef idx="1">
-            <a:schemeClr val="accent3"/>
-          </a:lnRef>
-          <a:fillRef idx="2">
-            <a:schemeClr val="accent3"/>
-          </a:fillRef>
-          <a:effectRef idx="1">
-            <a:schemeClr val="accent3"/>
-          </a:effectRef>
-          <a:fontRef idx="minor">
-            <a:schemeClr val="dk1"/>
-          </a:fontRef>
-        </p:style>
-        <p:txBody>
-          <a:bodyPr rtlCol="0" anchor="ctr"/>
-          <a:lstStyle/>
-          <a:p>
-            <a:r>
-              <a:rPr lang="en-US" sz="1600" dirty="0">
-                <a:latin typeface="Times" panose="02020603050405020304" pitchFamily="18" charset="0"/>
-                <a:cs typeface="Times" panose="02020603050405020304" pitchFamily="18" charset="0"/>
-              </a:rPr>
-              <a:t>Collect details information such as: price, area, description, title,... by url of post</a:t>
-            </a:r>
-          </a:p>
-        </p:txBody>
-      </p:sp>
-      <p:sp>
-        <p:nvSpPr>
-          <p:cNvPr id="31" name="Rectangle 30"/>
-          <p:cNvSpPr/>
-          <p:nvPr/>
-        </p:nvSpPr>
-        <p:spPr>
-          <a:xfrm>
-            <a:off x="10551265" y="2650830"/>
-            <a:ext cx="1385453" cy="1016001"/>
-          </a:xfrm>
-          <a:prstGeom prst="rect">
-            <a:avLst/>
-          </a:prstGeom>
-        </p:spPr>
-        <p:style>
-          <a:lnRef idx="1">
-            <a:schemeClr val="accent3"/>
-          </a:lnRef>
-          <a:fillRef idx="2">
-            <a:schemeClr val="accent3"/>
-          </a:fillRef>
-          <a:effectRef idx="1">
-            <a:schemeClr val="accent3"/>
-          </a:effectRef>
-          <a:fontRef idx="minor">
-            <a:schemeClr val="dk1"/>
-          </a:fontRef>
-        </p:style>
-        <p:txBody>
-          <a:bodyPr rtlCol="0" anchor="ctr"/>
-          <a:lstStyle/>
-          <a:p>
-            <a:r>
-              <a:rPr lang="en-US" sz="1600" dirty="0">
-                <a:latin typeface="Times" panose="02020603050405020304" pitchFamily="18" charset="0"/>
-                <a:cs typeface="Times" panose="02020603050405020304" pitchFamily="18" charset="0"/>
-              </a:rPr>
-              <a:t>Insert data into database</a:t>
-            </a:r>
-          </a:p>
-        </p:txBody>
-      </p:sp>
-      <p:sp>
-        <p:nvSpPr>
-          <p:cNvPr id="32" name="Right Arrow 31"/>
-          <p:cNvSpPr/>
-          <p:nvPr/>
-        </p:nvSpPr>
-        <p:spPr>
-          <a:xfrm>
-            <a:off x="1485608" y="3043375"/>
-            <a:ext cx="674252" cy="221673"/>
-          </a:xfrm>
-          <a:prstGeom prst="rightArrow">
+          <a:prstGeom prst="ellipse">
             <a:avLst/>
           </a:prstGeom>
         </p:spPr>
         <p:style>
           <a:lnRef idx="2">
-            <a:schemeClr val="accent3">
+            <a:schemeClr val="accent1">
               <a:shade val="50000"/>
             </a:schemeClr>
           </a:lnRef>
           <a:fillRef idx="1">
-            <a:schemeClr val="accent3"/>
+            <a:schemeClr val="accent1"/>
           </a:fillRef>
           <a:effectRef idx="0">
-            <a:schemeClr val="accent3"/>
+            <a:schemeClr val="accent1"/>
           </a:effectRef>
           <a:fontRef idx="minor">
             <a:schemeClr val="lt1"/>
@@ -4559,36 +5404,75 @@
           <a:lstStyle/>
           <a:p>
             <a:pPr algn="ctr"/>
-            <a:endParaRPr lang="en-US"/>
-          </a:p>
-        </p:txBody>
-      </p:sp>
-      <p:sp>
-        <p:nvSpPr>
-          <p:cNvPr id="33" name="Right Arrow 32"/>
+            <a:r>
+              <a:rPr lang="en-US" dirty="0" smtClean="0"/>
+              <a:t>Review API</a:t>
+            </a:r>
+            <a:endParaRPr lang="en-US" dirty="0"/>
+          </a:p>
+        </p:txBody>
+      </p:sp>
+      <p:cxnSp>
+        <p:nvCxnSpPr>
+          <p:cNvPr id="4" name="Elbow Connector 3"/>
+          <p:cNvCxnSpPr>
+            <a:stCxn id="2" idx="4"/>
+          </p:cNvCxnSpPr>
+          <p:nvPr/>
+        </p:nvCxnSpPr>
+        <p:spPr>
+          <a:xfrm rot="5400000">
+            <a:off x="9710372" y="2211997"/>
+            <a:ext cx="879231" cy="1924050"/>
+          </a:xfrm>
+          <a:prstGeom prst="bentConnector2">
+            <a:avLst/>
+          </a:prstGeom>
+          <a:ln w="57150">
+            <a:tailEnd type="triangle"/>
+          </a:ln>
+        </p:spPr>
+        <p:style>
+          <a:lnRef idx="1">
+            <a:schemeClr val="accent1"/>
+          </a:lnRef>
+          <a:fillRef idx="0">
+            <a:schemeClr val="accent1"/>
+          </a:fillRef>
+          <a:effectRef idx="0">
+            <a:schemeClr val="accent1"/>
+          </a:effectRef>
+          <a:fontRef idx="minor">
+            <a:schemeClr val="tx1"/>
+          </a:fontRef>
+        </p:style>
+      </p:cxnSp>
+      <p:sp>
+        <p:nvSpPr>
+          <p:cNvPr id="7" name="Oval 6"/>
           <p:cNvSpPr/>
           <p:nvPr/>
         </p:nvSpPr>
         <p:spPr>
           <a:xfrm>
-            <a:off x="3595829" y="3043375"/>
-            <a:ext cx="674252" cy="221673"/>
+            <a:off x="157019" y="5952392"/>
+            <a:ext cx="2005889" cy="844062"/>
           </a:xfrm>
-          <a:prstGeom prst="rightArrow">
+          <a:prstGeom prst="ellipse">
             <a:avLst/>
           </a:prstGeom>
         </p:spPr>
         <p:style>
           <a:lnRef idx="2">
-            <a:schemeClr val="accent3">
+            <a:schemeClr val="accent1">
               <a:shade val="50000"/>
             </a:schemeClr>
           </a:lnRef>
           <a:fillRef idx="1">
-            <a:schemeClr val="accent3"/>
+            <a:schemeClr val="accent1"/>
           </a:fillRef>
           <a:effectRef idx="0">
-            <a:schemeClr val="accent3"/>
+            <a:schemeClr val="accent1"/>
           </a:effectRef>
           <a:fontRef idx="minor">
             <a:schemeClr val="lt1"/>
@@ -4599,426 +5483,53 @@
           <a:lstStyle/>
           <a:p>
             <a:pPr algn="ctr"/>
-            <a:endParaRPr lang="en-US"/>
-          </a:p>
-        </p:txBody>
-      </p:sp>
-      <p:sp>
-        <p:nvSpPr>
-          <p:cNvPr id="34" name="Right Arrow 33"/>
-          <p:cNvSpPr/>
+            <a:r>
+              <a:rPr lang="en-US" dirty="0" smtClean="0"/>
+              <a:t>Code editor</a:t>
+            </a:r>
+            <a:endParaRPr lang="en-US" dirty="0"/>
+          </a:p>
+        </p:txBody>
+      </p:sp>
+      <p:cxnSp>
+        <p:nvCxnSpPr>
+          <p:cNvPr id="8" name="Elbow Connector 7"/>
+          <p:cNvCxnSpPr>
+            <a:stCxn id="7" idx="6"/>
+          </p:cNvCxnSpPr>
           <p:nvPr/>
-        </p:nvSpPr>
+        </p:nvCxnSpPr>
         <p:spPr>
-          <a:xfrm>
-            <a:off x="6650540" y="3047992"/>
-            <a:ext cx="674252" cy="221673"/>
+          <a:xfrm flipV="1">
+            <a:off x="2162908" y="5398477"/>
+            <a:ext cx="949569" cy="975946"/>
           </a:xfrm>
-          <a:prstGeom prst="rightArrow">
+          <a:prstGeom prst="bentConnector2">
             <a:avLst/>
           </a:prstGeom>
-        </p:spPr>
-        <p:style>
-          <a:lnRef idx="2">
-            <a:schemeClr val="accent3">
-              <a:shade val="50000"/>
-            </a:schemeClr>
-          </a:lnRef>
-          <a:fillRef idx="1">
-            <a:schemeClr val="accent3"/>
-          </a:fillRef>
-          <a:effectRef idx="0">
-            <a:schemeClr val="accent3"/>
-          </a:effectRef>
-          <a:fontRef idx="minor">
-            <a:schemeClr val="lt1"/>
-          </a:fontRef>
-        </p:style>
-        <p:txBody>
-          <a:bodyPr rtlCol="0" anchor="ctr"/>
-          <a:lstStyle/>
-          <a:p>
-            <a:pPr algn="ctr"/>
-            <a:endParaRPr lang="en-US"/>
-          </a:p>
-        </p:txBody>
-      </p:sp>
-      <p:sp>
-        <p:nvSpPr>
-          <p:cNvPr id="35" name="Right Arrow 34"/>
-          <p:cNvSpPr/>
-          <p:nvPr/>
-        </p:nvSpPr>
-        <p:spPr>
-          <a:xfrm>
-            <a:off x="9774970" y="3034137"/>
-            <a:ext cx="674252" cy="221673"/>
-          </a:xfrm>
-          <a:prstGeom prst="rightArrow">
-            <a:avLst/>
-          </a:prstGeom>
-        </p:spPr>
-        <p:style>
-          <a:lnRef idx="2">
-            <a:schemeClr val="accent3">
-              <a:shade val="50000"/>
-            </a:schemeClr>
-          </a:lnRef>
-          <a:fillRef idx="1">
-            <a:schemeClr val="accent3"/>
-          </a:fillRef>
-          <a:effectRef idx="0">
-            <a:schemeClr val="accent3"/>
-          </a:effectRef>
-          <a:fontRef idx="minor">
-            <a:schemeClr val="lt1"/>
-          </a:fontRef>
-        </p:style>
-        <p:txBody>
-          <a:bodyPr rtlCol="0" anchor="ctr"/>
-          <a:lstStyle/>
-          <a:p>
-            <a:pPr algn="ctr"/>
-            <a:endParaRPr lang="en-US"/>
-          </a:p>
-        </p:txBody>
-      </p:sp>
-      <p:sp>
-        <p:nvSpPr>
-          <p:cNvPr id="37" name="Rounded Rectangle 36"/>
-          <p:cNvSpPr/>
-          <p:nvPr/>
-        </p:nvSpPr>
-        <p:spPr>
-          <a:xfrm>
-            <a:off x="307970" y="4775195"/>
-            <a:ext cx="1177638" cy="794328"/>
-          </a:xfrm>
-          <a:prstGeom prst="roundRect">
-            <a:avLst/>
-          </a:prstGeom>
+          <a:ln w="57150">
+            <a:tailEnd type="triangle"/>
+          </a:ln>
         </p:spPr>
         <p:style>
           <a:lnRef idx="1">
-            <a:schemeClr val="accent3"/>
+            <a:schemeClr val="accent1"/>
           </a:lnRef>
-          <a:fillRef idx="2">
-            <a:schemeClr val="accent3"/>
+          <a:fillRef idx="0">
+            <a:schemeClr val="accent1"/>
           </a:fillRef>
-          <a:effectRef idx="1">
-            <a:schemeClr val="accent3"/>
+          <a:effectRef idx="0">
+            <a:schemeClr val="accent1"/>
           </a:effectRef>
           <a:fontRef idx="minor">
-            <a:schemeClr val="dk1"/>
+            <a:schemeClr val="tx1"/>
           </a:fontRef>
         </p:style>
-        <p:txBody>
-          <a:bodyPr rtlCol="0" anchor="ctr"/>
-          <a:lstStyle/>
-          <a:p>
-            <a:r>
-              <a:rPr lang="en-US" sz="1600">
-                <a:latin typeface="Times" panose="02020603050405020304" pitchFamily="18" charset="0"/>
-                <a:cs typeface="Times" panose="02020603050405020304" pitchFamily="18" charset="0"/>
-              </a:rPr>
-              <a:t>Lists url of site</a:t>
-            </a:r>
-          </a:p>
-        </p:txBody>
-      </p:sp>
-      <p:sp>
-        <p:nvSpPr>
-          <p:cNvPr id="38" name="Rounded Rectangle 37"/>
-          <p:cNvSpPr/>
-          <p:nvPr/>
-        </p:nvSpPr>
-        <p:spPr>
-          <a:xfrm>
-            <a:off x="2159860" y="4860629"/>
-            <a:ext cx="1384012" cy="708893"/>
-          </a:xfrm>
-          <a:prstGeom prst="roundRect">
-            <a:avLst/>
-          </a:prstGeom>
-        </p:spPr>
-        <p:style>
-          <a:lnRef idx="1">
-            <a:schemeClr val="accent3"/>
-          </a:lnRef>
-          <a:fillRef idx="2">
-            <a:schemeClr val="accent3"/>
-          </a:fillRef>
-          <a:effectRef idx="1">
-            <a:schemeClr val="accent3"/>
-          </a:effectRef>
-          <a:fontRef idx="minor">
-            <a:schemeClr val="dk1"/>
-          </a:fontRef>
-        </p:style>
-        <p:txBody>
-          <a:bodyPr rtlCol="0" anchor="ctr"/>
-          <a:lstStyle/>
-          <a:p>
-            <a:r>
-              <a:rPr lang="en-US" sz="1600">
-                <a:latin typeface="Times" panose="02020603050405020304" pitchFamily="18" charset="0"/>
-                <a:cs typeface="Times" panose="02020603050405020304" pitchFamily="18" charset="0"/>
-              </a:rPr>
-              <a:t>List pattern</a:t>
-            </a:r>
-          </a:p>
-        </p:txBody>
-      </p:sp>
-      <p:sp>
-        <p:nvSpPr>
-          <p:cNvPr id="39" name="Rounded Rectangle 38"/>
-          <p:cNvSpPr/>
-          <p:nvPr/>
-        </p:nvSpPr>
-        <p:spPr>
-          <a:xfrm>
-            <a:off x="4274695" y="4817912"/>
-            <a:ext cx="2309092" cy="708893"/>
-          </a:xfrm>
-          <a:prstGeom prst="roundRect">
-            <a:avLst/>
-          </a:prstGeom>
-        </p:spPr>
-        <p:style>
-          <a:lnRef idx="1">
-            <a:schemeClr val="accent3"/>
-          </a:lnRef>
-          <a:fillRef idx="2">
-            <a:schemeClr val="accent3"/>
-          </a:fillRef>
-          <a:effectRef idx="1">
-            <a:schemeClr val="accent3"/>
-          </a:effectRef>
-          <a:fontRef idx="minor">
-            <a:schemeClr val="dk1"/>
-          </a:fontRef>
-        </p:style>
-        <p:txBody>
-          <a:bodyPr rtlCol="0" anchor="ctr"/>
-          <a:lstStyle/>
-          <a:p>
-            <a:r>
-              <a:rPr lang="en-US" sz="1600">
-                <a:latin typeface="Times" panose="02020603050405020304" pitchFamily="18" charset="0"/>
-                <a:cs typeface="Times" panose="02020603050405020304" pitchFamily="18" charset="0"/>
-              </a:rPr>
-              <a:t>Lists url of post </a:t>
-            </a:r>
-          </a:p>
-        </p:txBody>
-      </p:sp>
-      <p:sp>
-        <p:nvSpPr>
-          <p:cNvPr id="40" name="Rounded Rectangle 39"/>
-          <p:cNvSpPr/>
-          <p:nvPr/>
-        </p:nvSpPr>
-        <p:spPr>
-          <a:xfrm>
-            <a:off x="7223191" y="4860630"/>
-            <a:ext cx="2348135" cy="708892"/>
-          </a:xfrm>
-          <a:prstGeom prst="roundRect">
-            <a:avLst/>
-          </a:prstGeom>
-        </p:spPr>
-        <p:style>
-          <a:lnRef idx="1">
-            <a:schemeClr val="accent3"/>
-          </a:lnRef>
-          <a:fillRef idx="2">
-            <a:schemeClr val="accent3"/>
-          </a:fillRef>
-          <a:effectRef idx="1">
-            <a:schemeClr val="accent3"/>
-          </a:effectRef>
-          <a:fontRef idx="minor">
-            <a:schemeClr val="dk1"/>
-          </a:fontRef>
-        </p:style>
-        <p:txBody>
-          <a:bodyPr rtlCol="0" anchor="ctr"/>
-          <a:lstStyle/>
-          <a:p>
-            <a:r>
-              <a:rPr lang="en-US" sz="1600">
-                <a:latin typeface="Times" panose="02020603050405020304" pitchFamily="18" charset="0"/>
-                <a:cs typeface="Times" panose="02020603050405020304" pitchFamily="18" charset="0"/>
-              </a:rPr>
-              <a:t>Data necessary</a:t>
-            </a:r>
-          </a:p>
-        </p:txBody>
-      </p:sp>
-      <p:sp>
-        <p:nvSpPr>
-          <p:cNvPr id="41" name="Down Arrow 40"/>
-          <p:cNvSpPr/>
-          <p:nvPr/>
-        </p:nvSpPr>
-        <p:spPr>
-          <a:xfrm>
-            <a:off x="665012" y="3708395"/>
-            <a:ext cx="231777" cy="1015999"/>
-          </a:xfrm>
-          <a:prstGeom prst="downArrow">
-            <a:avLst/>
-          </a:prstGeom>
-        </p:spPr>
-        <p:style>
-          <a:lnRef idx="2">
-            <a:schemeClr val="accent3">
-              <a:shade val="50000"/>
-            </a:schemeClr>
-          </a:lnRef>
-          <a:fillRef idx="1">
-            <a:schemeClr val="accent3"/>
-          </a:fillRef>
-          <a:effectRef idx="0">
-            <a:schemeClr val="accent3"/>
-          </a:effectRef>
-          <a:fontRef idx="minor">
-            <a:schemeClr val="lt1"/>
-          </a:fontRef>
-        </p:style>
-        <p:txBody>
-          <a:bodyPr rtlCol="0" anchor="ctr"/>
-          <a:lstStyle/>
-          <a:p>
-            <a:pPr algn="ctr"/>
-            <a:endParaRPr lang="en-US"/>
-          </a:p>
-        </p:txBody>
-      </p:sp>
-      <p:sp>
-        <p:nvSpPr>
-          <p:cNvPr id="42" name="Down Arrow 41"/>
-          <p:cNvSpPr/>
-          <p:nvPr/>
-        </p:nvSpPr>
-        <p:spPr>
-          <a:xfrm>
-            <a:off x="2735977" y="3708394"/>
-            <a:ext cx="231777" cy="1015999"/>
-          </a:xfrm>
-          <a:prstGeom prst="downArrow">
-            <a:avLst/>
-          </a:prstGeom>
-        </p:spPr>
-        <p:style>
-          <a:lnRef idx="2">
-            <a:schemeClr val="accent3">
-              <a:shade val="50000"/>
-            </a:schemeClr>
-          </a:lnRef>
-          <a:fillRef idx="1">
-            <a:schemeClr val="accent3"/>
-          </a:fillRef>
-          <a:effectRef idx="0">
-            <a:schemeClr val="accent3"/>
-          </a:effectRef>
-          <a:fontRef idx="minor">
-            <a:schemeClr val="lt1"/>
-          </a:fontRef>
-        </p:style>
-        <p:txBody>
-          <a:bodyPr rtlCol="0" anchor="ctr"/>
-          <a:lstStyle/>
-          <a:p>
-            <a:pPr algn="ctr"/>
-            <a:endParaRPr lang="en-US"/>
-          </a:p>
-        </p:txBody>
-      </p:sp>
-      <p:sp>
-        <p:nvSpPr>
-          <p:cNvPr id="43" name="Down Arrow 42"/>
-          <p:cNvSpPr/>
-          <p:nvPr/>
-        </p:nvSpPr>
-        <p:spPr>
-          <a:xfrm>
-            <a:off x="5313352" y="3725134"/>
-            <a:ext cx="231777" cy="1015999"/>
-          </a:xfrm>
-          <a:prstGeom prst="downArrow">
-            <a:avLst/>
-          </a:prstGeom>
-        </p:spPr>
-        <p:style>
-          <a:lnRef idx="2">
-            <a:schemeClr val="accent3">
-              <a:shade val="50000"/>
-            </a:schemeClr>
-          </a:lnRef>
-          <a:fillRef idx="1">
-            <a:schemeClr val="accent3"/>
-          </a:fillRef>
-          <a:effectRef idx="0">
-            <a:schemeClr val="accent3"/>
-          </a:effectRef>
-          <a:fontRef idx="minor">
-            <a:schemeClr val="lt1"/>
-          </a:fontRef>
-        </p:style>
-        <p:txBody>
-          <a:bodyPr rtlCol="0" anchor="ctr"/>
-          <a:lstStyle/>
-          <a:p>
-            <a:pPr algn="ctr"/>
-            <a:endParaRPr lang="en-US"/>
-          </a:p>
-        </p:txBody>
-      </p:sp>
-      <p:sp>
-        <p:nvSpPr>
-          <p:cNvPr id="44" name="Down Arrow 43"/>
-          <p:cNvSpPr/>
-          <p:nvPr/>
-        </p:nvSpPr>
-        <p:spPr>
-          <a:xfrm>
-            <a:off x="8281369" y="3725134"/>
-            <a:ext cx="231777" cy="1015999"/>
-          </a:xfrm>
-          <a:prstGeom prst="downArrow">
-            <a:avLst/>
-          </a:prstGeom>
-        </p:spPr>
-        <p:style>
-          <a:lnRef idx="2">
-            <a:schemeClr val="accent3">
-              <a:shade val="50000"/>
-            </a:schemeClr>
-          </a:lnRef>
-          <a:fillRef idx="1">
-            <a:schemeClr val="accent3"/>
-          </a:fillRef>
-          <a:effectRef idx="0">
-            <a:schemeClr val="accent3"/>
-          </a:effectRef>
-          <a:fontRef idx="minor">
-            <a:schemeClr val="lt1"/>
-          </a:fontRef>
-        </p:style>
-        <p:txBody>
-          <a:bodyPr rtlCol="0" anchor="ctr"/>
-          <a:lstStyle/>
-          <a:p>
-            <a:pPr algn="ctr"/>
-            <a:endParaRPr lang="en-US"/>
-          </a:p>
-        </p:txBody>
-      </p:sp>
+      </p:cxnSp>
     </p:spTree>
     <p:extLst>
       <p:ext uri="{BB962C8B-B14F-4D97-AF65-F5344CB8AC3E}">
-        <p14:creationId xmlns:p14="http://schemas.microsoft.com/office/powerpoint/2010/main" val="2797761168"/>
+        <p14:creationId xmlns:p14="http://schemas.microsoft.com/office/powerpoint/2010/main" val="786677019"/>
       </p:ext>
     </p:extLst>
   </p:cSld>
@@ -5054,72 +5565,848 @@
       </p:grpSpPr>
       <p:sp>
         <p:nvSpPr>
-          <p:cNvPr id="4" name="TextBox 3"/>
-          <p:cNvSpPr txBox="1"/>
-          <p:nvPr/>
+          <p:cNvPr id="3" name="Content Placeholder 2"/>
+          <p:cNvSpPr>
+            <a:spLocks noGrp="1"/>
+          </p:cNvSpPr>
+          <p:nvPr>
+            <p:ph idx="1"/>
+          </p:nvPr>
         </p:nvSpPr>
         <p:spPr>
           <a:xfrm>
-            <a:off x="4469473" y="3747381"/>
-            <a:ext cx="2937022" cy="1658274"/>
+            <a:off x="157017" y="1431636"/>
+            <a:ext cx="11868727" cy="5320146"/>
+          </a:xfrm>
+        </p:spPr>
+        <p:txBody>
+          <a:bodyPr/>
+          <a:lstStyle/>
+          <a:p>
+            <a:pPr marL="0" indent="0">
+              <a:buNone/>
+            </a:pPr>
+            <a:r>
+              <a:rPr lang="en-US" sz="2400" b="1" dirty="0" smtClean="0">
+                <a:latin typeface="Times" panose="02020603050405020304" pitchFamily="18" charset="0"/>
+                <a:cs typeface="Times" panose="02020603050405020304" pitchFamily="18" charset="0"/>
+              </a:rPr>
+              <a:t>Giải thuật Crawler</a:t>
+            </a:r>
+          </a:p>
+          <a:p>
+            <a:pPr marL="0" indent="0">
+              <a:buNone/>
+            </a:pPr>
+            <a:r>
+              <a:rPr lang="en-US" sz="1600" dirty="0" smtClean="0">
+                <a:latin typeface="Times" panose="02020603050405020304" pitchFamily="18" charset="0"/>
+                <a:cs typeface="Times" panose="02020603050405020304" pitchFamily="18" charset="0"/>
+              </a:rPr>
+              <a:t> </a:t>
+            </a:r>
+            <a:endParaRPr lang="en-US" sz="1600" dirty="0">
+              <a:latin typeface="Times" panose="02020603050405020304" pitchFamily="18" charset="0"/>
+              <a:cs typeface="Times" panose="02020603050405020304" pitchFamily="18" charset="0"/>
+            </a:endParaRPr>
+          </a:p>
+        </p:txBody>
+      </p:sp>
+      <p:sp>
+        <p:nvSpPr>
+          <p:cNvPr id="27" name="Rectangle 26"/>
+          <p:cNvSpPr/>
+          <p:nvPr/>
+        </p:nvSpPr>
+        <p:spPr>
+          <a:xfrm>
+            <a:off x="272467" y="2650829"/>
+            <a:ext cx="1177638" cy="1006764"/>
           </a:xfrm>
           <a:prstGeom prst="rect">
             <a:avLst/>
           </a:prstGeom>
-          <a:noFill/>
         </p:spPr>
-        <p:txBody>
-          <a:bodyPr wrap="none" rtlCol="0">
-            <a:spAutoFit/>
-          </a:bodyPr>
-          <a:lstStyle/>
-          <a:p>
-            <a:pPr marL="6350" indent="-6350" algn="ctr">
-              <a:lnSpc>
-                <a:spcPct val="106000"/>
-              </a:lnSpc>
-              <a:spcAft>
-                <a:spcPts val="0"/>
-              </a:spcAft>
-            </a:pPr>
-            <a:r>
-              <a:rPr lang="en-US" sz="4800" b="1" kern="0" smtClean="0">
-                <a:solidFill>
-                  <a:srgbClr val="365F91"/>
-                </a:solidFill>
-                <a:latin typeface="Times New Roman" panose="02020603050405020304" pitchFamily="18" charset="0"/>
-                <a:ea typeface="Times New Roman" panose="02020603050405020304" pitchFamily="18" charset="0"/>
-              </a:rPr>
-              <a:t>THE END</a:t>
-            </a:r>
-          </a:p>
-          <a:p>
-            <a:pPr marL="6350" indent="-6350" algn="ctr">
-              <a:lnSpc>
-                <a:spcPct val="106000"/>
-              </a:lnSpc>
-              <a:spcAft>
-                <a:spcPts val="0"/>
-              </a:spcAft>
-            </a:pPr>
-            <a:r>
-              <a:rPr lang="en-US" sz="4800" b="1" kern="0">
-                <a:solidFill>
-                  <a:srgbClr val="365F91"/>
-                </a:solidFill>
-                <a:latin typeface="Times New Roman" panose="02020603050405020304" pitchFamily="18" charset="0"/>
-                <a:sym typeface="Symbol" panose="05050102010706020507" pitchFamily="18" charset="2"/>
-              </a:rPr>
-              <a:t></a:t>
-            </a:r>
-            <a:endParaRPr lang="en-US" sz="4000"/>
+        <p:style>
+          <a:lnRef idx="1">
+            <a:schemeClr val="accent3"/>
+          </a:lnRef>
+          <a:fillRef idx="2">
+            <a:schemeClr val="accent3"/>
+          </a:fillRef>
+          <a:effectRef idx="1">
+            <a:schemeClr val="accent3"/>
+          </a:effectRef>
+          <a:fontRef idx="minor">
+            <a:schemeClr val="dk1"/>
+          </a:fontRef>
+        </p:style>
+        <p:txBody>
+          <a:bodyPr rtlCol="0" anchor="ctr"/>
+          <a:lstStyle/>
+          <a:p>
+            <a:pPr algn="ctr"/>
+            <a:r>
+              <a:rPr lang="en-US" sz="1600" dirty="0" smtClean="0">
+                <a:latin typeface="Times" panose="02020603050405020304" pitchFamily="18" charset="0"/>
+                <a:cs typeface="Times" panose="02020603050405020304" pitchFamily="18" charset="0"/>
+              </a:rPr>
+              <a:t>Get all site</a:t>
+            </a:r>
+            <a:endParaRPr lang="en-US" sz="1600" dirty="0">
+              <a:latin typeface="Times" panose="02020603050405020304" pitchFamily="18" charset="0"/>
+              <a:cs typeface="Times" panose="02020603050405020304" pitchFamily="18" charset="0"/>
+            </a:endParaRPr>
+          </a:p>
+        </p:txBody>
+      </p:sp>
+      <p:sp>
+        <p:nvSpPr>
+          <p:cNvPr id="28" name="Rectangle 27"/>
+          <p:cNvSpPr/>
+          <p:nvPr/>
+        </p:nvSpPr>
+        <p:spPr>
+          <a:xfrm>
+            <a:off x="2195364" y="2650829"/>
+            <a:ext cx="1348508" cy="1006764"/>
+          </a:xfrm>
+          <a:prstGeom prst="rect">
+            <a:avLst/>
+          </a:prstGeom>
+        </p:spPr>
+        <p:style>
+          <a:lnRef idx="1">
+            <a:schemeClr val="accent3"/>
+          </a:lnRef>
+          <a:fillRef idx="2">
+            <a:schemeClr val="accent3"/>
+          </a:fillRef>
+          <a:effectRef idx="1">
+            <a:schemeClr val="accent3"/>
+          </a:effectRef>
+          <a:fontRef idx="minor">
+            <a:schemeClr val="dk1"/>
+          </a:fontRef>
+        </p:style>
+        <p:txBody>
+          <a:bodyPr rtlCol="0" anchor="ctr"/>
+          <a:lstStyle/>
+          <a:p>
+            <a:pPr algn="ctr"/>
+            <a:r>
+              <a:rPr lang="en-US" sz="1600" dirty="0" smtClean="0">
+                <a:latin typeface="Times" panose="02020603050405020304" pitchFamily="18" charset="0"/>
+                <a:cs typeface="Times" panose="02020603050405020304" pitchFamily="18" charset="0"/>
+              </a:rPr>
+              <a:t>Get all pattern by site</a:t>
+            </a:r>
+            <a:endParaRPr lang="en-US" sz="1600" dirty="0">
+              <a:latin typeface="Times" panose="02020603050405020304" pitchFamily="18" charset="0"/>
+              <a:cs typeface="Times" panose="02020603050405020304" pitchFamily="18" charset="0"/>
+            </a:endParaRPr>
+          </a:p>
+        </p:txBody>
+      </p:sp>
+      <p:sp>
+        <p:nvSpPr>
+          <p:cNvPr id="29" name="Rectangle 28"/>
+          <p:cNvSpPr/>
+          <p:nvPr/>
+        </p:nvSpPr>
+        <p:spPr>
+          <a:xfrm>
+            <a:off x="4320879" y="2650829"/>
+            <a:ext cx="2262908" cy="1006764"/>
+          </a:xfrm>
+          <a:prstGeom prst="rect">
+            <a:avLst/>
+          </a:prstGeom>
+        </p:spPr>
+        <p:style>
+          <a:lnRef idx="1">
+            <a:schemeClr val="accent3"/>
+          </a:lnRef>
+          <a:fillRef idx="2">
+            <a:schemeClr val="accent3"/>
+          </a:fillRef>
+          <a:effectRef idx="1">
+            <a:schemeClr val="accent3"/>
+          </a:effectRef>
+          <a:fontRef idx="minor">
+            <a:schemeClr val="dk1"/>
+          </a:fontRef>
+        </p:style>
+        <p:txBody>
+          <a:bodyPr rtlCol="0" anchor="ctr"/>
+          <a:lstStyle/>
+          <a:p>
+            <a:pPr algn="ctr"/>
+            <a:r>
+              <a:rPr lang="en-US" sz="1600" dirty="0">
+                <a:latin typeface="Times" panose="02020603050405020304" pitchFamily="18" charset="0"/>
+                <a:cs typeface="Times" panose="02020603050405020304" pitchFamily="18" charset="0"/>
+              </a:rPr>
+              <a:t>Collect url of post from each site with pattern</a:t>
+            </a:r>
+          </a:p>
+        </p:txBody>
+      </p:sp>
+      <p:sp>
+        <p:nvSpPr>
+          <p:cNvPr id="30" name="Rectangle 29"/>
+          <p:cNvSpPr/>
+          <p:nvPr/>
+        </p:nvSpPr>
+        <p:spPr>
+          <a:xfrm>
+            <a:off x="7391545" y="2650829"/>
+            <a:ext cx="2281382" cy="1006764"/>
+          </a:xfrm>
+          <a:prstGeom prst="rect">
+            <a:avLst/>
+          </a:prstGeom>
+        </p:spPr>
+        <p:style>
+          <a:lnRef idx="1">
+            <a:schemeClr val="accent3"/>
+          </a:lnRef>
+          <a:fillRef idx="2">
+            <a:schemeClr val="accent3"/>
+          </a:fillRef>
+          <a:effectRef idx="1">
+            <a:schemeClr val="accent3"/>
+          </a:effectRef>
+          <a:fontRef idx="minor">
+            <a:schemeClr val="dk1"/>
+          </a:fontRef>
+        </p:style>
+        <p:txBody>
+          <a:bodyPr rtlCol="0" anchor="ctr"/>
+          <a:lstStyle/>
+          <a:p>
+            <a:pPr algn="ctr"/>
+            <a:r>
+              <a:rPr lang="en-US" sz="1600" dirty="0">
+                <a:latin typeface="Times" panose="02020603050405020304" pitchFamily="18" charset="0"/>
+                <a:cs typeface="Times" panose="02020603050405020304" pitchFamily="18" charset="0"/>
+              </a:rPr>
+              <a:t>Collect details information such as: price, area, description, title,... by url of post</a:t>
+            </a:r>
+          </a:p>
+        </p:txBody>
+      </p:sp>
+      <p:sp>
+        <p:nvSpPr>
+          <p:cNvPr id="31" name="Rectangle 30"/>
+          <p:cNvSpPr/>
+          <p:nvPr/>
+        </p:nvSpPr>
+        <p:spPr>
+          <a:xfrm>
+            <a:off x="10551265" y="2646211"/>
+            <a:ext cx="1385453" cy="1016001"/>
+          </a:xfrm>
+          <a:prstGeom prst="rect">
+            <a:avLst/>
+          </a:prstGeom>
+        </p:spPr>
+        <p:style>
+          <a:lnRef idx="1">
+            <a:schemeClr val="accent3"/>
+          </a:lnRef>
+          <a:fillRef idx="2">
+            <a:schemeClr val="accent3"/>
+          </a:fillRef>
+          <a:effectRef idx="1">
+            <a:schemeClr val="accent3"/>
+          </a:effectRef>
+          <a:fontRef idx="minor">
+            <a:schemeClr val="dk1"/>
+          </a:fontRef>
+        </p:style>
+        <p:txBody>
+          <a:bodyPr rtlCol="0" anchor="ctr"/>
+          <a:lstStyle/>
+          <a:p>
+            <a:pPr algn="ctr"/>
+            <a:r>
+              <a:rPr lang="en-US" sz="1600" dirty="0">
+                <a:latin typeface="Times" panose="02020603050405020304" pitchFamily="18" charset="0"/>
+                <a:cs typeface="Times" panose="02020603050405020304" pitchFamily="18" charset="0"/>
+              </a:rPr>
+              <a:t>Insert data into database</a:t>
+            </a:r>
+          </a:p>
+        </p:txBody>
+      </p:sp>
+      <p:sp>
+        <p:nvSpPr>
+          <p:cNvPr id="32" name="Right Arrow 31"/>
+          <p:cNvSpPr/>
+          <p:nvPr/>
+        </p:nvSpPr>
+        <p:spPr>
+          <a:xfrm>
+            <a:off x="1485608" y="3043375"/>
+            <a:ext cx="674252" cy="221673"/>
+          </a:xfrm>
+          <a:prstGeom prst="rightArrow">
+            <a:avLst/>
+          </a:prstGeom>
+        </p:spPr>
+        <p:style>
+          <a:lnRef idx="2">
+            <a:schemeClr val="accent3">
+              <a:shade val="50000"/>
+            </a:schemeClr>
+          </a:lnRef>
+          <a:fillRef idx="1">
+            <a:schemeClr val="accent3"/>
+          </a:fillRef>
+          <a:effectRef idx="0">
+            <a:schemeClr val="accent3"/>
+          </a:effectRef>
+          <a:fontRef idx="minor">
+            <a:schemeClr val="lt1"/>
+          </a:fontRef>
+        </p:style>
+        <p:txBody>
+          <a:bodyPr rtlCol="0" anchor="ctr"/>
+          <a:lstStyle/>
+          <a:p>
+            <a:pPr algn="ctr"/>
+            <a:endParaRPr lang="en-US"/>
+          </a:p>
+        </p:txBody>
+      </p:sp>
+      <p:sp>
+        <p:nvSpPr>
+          <p:cNvPr id="33" name="Right Arrow 32"/>
+          <p:cNvSpPr/>
+          <p:nvPr/>
+        </p:nvSpPr>
+        <p:spPr>
+          <a:xfrm>
+            <a:off x="3595829" y="3043375"/>
+            <a:ext cx="674252" cy="221673"/>
+          </a:xfrm>
+          <a:prstGeom prst="rightArrow">
+            <a:avLst/>
+          </a:prstGeom>
+        </p:spPr>
+        <p:style>
+          <a:lnRef idx="2">
+            <a:schemeClr val="accent3">
+              <a:shade val="50000"/>
+            </a:schemeClr>
+          </a:lnRef>
+          <a:fillRef idx="1">
+            <a:schemeClr val="accent3"/>
+          </a:fillRef>
+          <a:effectRef idx="0">
+            <a:schemeClr val="accent3"/>
+          </a:effectRef>
+          <a:fontRef idx="minor">
+            <a:schemeClr val="lt1"/>
+          </a:fontRef>
+        </p:style>
+        <p:txBody>
+          <a:bodyPr rtlCol="0" anchor="ctr"/>
+          <a:lstStyle/>
+          <a:p>
+            <a:pPr algn="ctr"/>
+            <a:endParaRPr lang="en-US"/>
+          </a:p>
+        </p:txBody>
+      </p:sp>
+      <p:sp>
+        <p:nvSpPr>
+          <p:cNvPr id="34" name="Right Arrow 33"/>
+          <p:cNvSpPr/>
+          <p:nvPr/>
+        </p:nvSpPr>
+        <p:spPr>
+          <a:xfrm>
+            <a:off x="6650540" y="3047992"/>
+            <a:ext cx="674252" cy="221673"/>
+          </a:xfrm>
+          <a:prstGeom prst="rightArrow">
+            <a:avLst/>
+          </a:prstGeom>
+        </p:spPr>
+        <p:style>
+          <a:lnRef idx="2">
+            <a:schemeClr val="accent3">
+              <a:shade val="50000"/>
+            </a:schemeClr>
+          </a:lnRef>
+          <a:fillRef idx="1">
+            <a:schemeClr val="accent3"/>
+          </a:fillRef>
+          <a:effectRef idx="0">
+            <a:schemeClr val="accent3"/>
+          </a:effectRef>
+          <a:fontRef idx="minor">
+            <a:schemeClr val="lt1"/>
+          </a:fontRef>
+        </p:style>
+        <p:txBody>
+          <a:bodyPr rtlCol="0" anchor="ctr"/>
+          <a:lstStyle/>
+          <a:p>
+            <a:pPr algn="ctr"/>
+            <a:endParaRPr lang="en-US"/>
+          </a:p>
+        </p:txBody>
+      </p:sp>
+      <p:sp>
+        <p:nvSpPr>
+          <p:cNvPr id="35" name="Right Arrow 34"/>
+          <p:cNvSpPr/>
+          <p:nvPr/>
+        </p:nvSpPr>
+        <p:spPr>
+          <a:xfrm>
+            <a:off x="9774970" y="3034137"/>
+            <a:ext cx="674252" cy="221673"/>
+          </a:xfrm>
+          <a:prstGeom prst="rightArrow">
+            <a:avLst/>
+          </a:prstGeom>
+        </p:spPr>
+        <p:style>
+          <a:lnRef idx="2">
+            <a:schemeClr val="accent3">
+              <a:shade val="50000"/>
+            </a:schemeClr>
+          </a:lnRef>
+          <a:fillRef idx="1">
+            <a:schemeClr val="accent3"/>
+          </a:fillRef>
+          <a:effectRef idx="0">
+            <a:schemeClr val="accent3"/>
+          </a:effectRef>
+          <a:fontRef idx="minor">
+            <a:schemeClr val="lt1"/>
+          </a:fontRef>
+        </p:style>
+        <p:txBody>
+          <a:bodyPr rtlCol="0" anchor="ctr"/>
+          <a:lstStyle/>
+          <a:p>
+            <a:pPr algn="ctr"/>
+            <a:endParaRPr lang="en-US"/>
+          </a:p>
+        </p:txBody>
+      </p:sp>
+      <p:sp>
+        <p:nvSpPr>
+          <p:cNvPr id="37" name="Rounded Rectangle 36"/>
+          <p:cNvSpPr/>
+          <p:nvPr/>
+        </p:nvSpPr>
+        <p:spPr>
+          <a:xfrm>
+            <a:off x="307970" y="4859477"/>
+            <a:ext cx="1177638" cy="794328"/>
+          </a:xfrm>
+          <a:prstGeom prst="roundRect">
+            <a:avLst/>
+          </a:prstGeom>
+        </p:spPr>
+        <p:style>
+          <a:lnRef idx="1">
+            <a:schemeClr val="accent3"/>
+          </a:lnRef>
+          <a:fillRef idx="2">
+            <a:schemeClr val="accent3"/>
+          </a:fillRef>
+          <a:effectRef idx="1">
+            <a:schemeClr val="accent3"/>
+          </a:effectRef>
+          <a:fontRef idx="minor">
+            <a:schemeClr val="dk1"/>
+          </a:fontRef>
+        </p:style>
+        <p:txBody>
+          <a:bodyPr rtlCol="0" anchor="ctr"/>
+          <a:lstStyle/>
+          <a:p>
+            <a:pPr algn="ctr"/>
+            <a:r>
+              <a:rPr lang="en-US" sz="1600" dirty="0">
+                <a:latin typeface="Times" panose="02020603050405020304" pitchFamily="18" charset="0"/>
+                <a:cs typeface="Times" panose="02020603050405020304" pitchFamily="18" charset="0"/>
+              </a:rPr>
+              <a:t>Lists url of site</a:t>
+            </a:r>
+          </a:p>
+        </p:txBody>
+      </p:sp>
+      <p:sp>
+        <p:nvSpPr>
+          <p:cNvPr id="38" name="Rounded Rectangle 37"/>
+          <p:cNvSpPr/>
+          <p:nvPr/>
+        </p:nvSpPr>
+        <p:spPr>
+          <a:xfrm>
+            <a:off x="2195364" y="4902195"/>
+            <a:ext cx="1384012" cy="708893"/>
+          </a:xfrm>
+          <a:prstGeom prst="roundRect">
+            <a:avLst/>
+          </a:prstGeom>
+        </p:spPr>
+        <p:style>
+          <a:lnRef idx="1">
+            <a:schemeClr val="accent3"/>
+          </a:lnRef>
+          <a:fillRef idx="2">
+            <a:schemeClr val="accent3"/>
+          </a:fillRef>
+          <a:effectRef idx="1">
+            <a:schemeClr val="accent3"/>
+          </a:effectRef>
+          <a:fontRef idx="minor">
+            <a:schemeClr val="dk1"/>
+          </a:fontRef>
+        </p:style>
+        <p:txBody>
+          <a:bodyPr rtlCol="0" anchor="ctr"/>
+          <a:lstStyle/>
+          <a:p>
+            <a:pPr algn="ctr"/>
+            <a:r>
+              <a:rPr lang="en-US" sz="1600" dirty="0">
+                <a:latin typeface="Times" panose="02020603050405020304" pitchFamily="18" charset="0"/>
+                <a:cs typeface="Times" panose="02020603050405020304" pitchFamily="18" charset="0"/>
+              </a:rPr>
+              <a:t>List pattern</a:t>
+            </a:r>
+          </a:p>
+        </p:txBody>
+      </p:sp>
+      <p:sp>
+        <p:nvSpPr>
+          <p:cNvPr id="39" name="Rounded Rectangle 38"/>
+          <p:cNvSpPr/>
+          <p:nvPr/>
+        </p:nvSpPr>
+        <p:spPr>
+          <a:xfrm>
+            <a:off x="4274695" y="4902195"/>
+            <a:ext cx="2309092" cy="708893"/>
+          </a:xfrm>
+          <a:prstGeom prst="roundRect">
+            <a:avLst/>
+          </a:prstGeom>
+        </p:spPr>
+        <p:style>
+          <a:lnRef idx="1">
+            <a:schemeClr val="accent3"/>
+          </a:lnRef>
+          <a:fillRef idx="2">
+            <a:schemeClr val="accent3"/>
+          </a:fillRef>
+          <a:effectRef idx="1">
+            <a:schemeClr val="accent3"/>
+          </a:effectRef>
+          <a:fontRef idx="minor">
+            <a:schemeClr val="dk1"/>
+          </a:fontRef>
+        </p:style>
+        <p:txBody>
+          <a:bodyPr rtlCol="0" anchor="ctr"/>
+          <a:lstStyle/>
+          <a:p>
+            <a:pPr algn="ctr"/>
+            <a:r>
+              <a:rPr lang="en-US" sz="1600" dirty="0">
+                <a:latin typeface="Times" panose="02020603050405020304" pitchFamily="18" charset="0"/>
+                <a:cs typeface="Times" panose="02020603050405020304" pitchFamily="18" charset="0"/>
+              </a:rPr>
+              <a:t>Lists url of post </a:t>
+            </a:r>
+          </a:p>
+        </p:txBody>
+      </p:sp>
+      <p:sp>
+        <p:nvSpPr>
+          <p:cNvPr id="40" name="Rounded Rectangle 39"/>
+          <p:cNvSpPr/>
+          <p:nvPr/>
+        </p:nvSpPr>
+        <p:spPr>
+          <a:xfrm>
+            <a:off x="7223189" y="4902195"/>
+            <a:ext cx="2348135" cy="708892"/>
+          </a:xfrm>
+          <a:prstGeom prst="roundRect">
+            <a:avLst/>
+          </a:prstGeom>
+        </p:spPr>
+        <p:style>
+          <a:lnRef idx="1">
+            <a:schemeClr val="accent3"/>
+          </a:lnRef>
+          <a:fillRef idx="2">
+            <a:schemeClr val="accent3"/>
+          </a:fillRef>
+          <a:effectRef idx="1">
+            <a:schemeClr val="accent3"/>
+          </a:effectRef>
+          <a:fontRef idx="minor">
+            <a:schemeClr val="dk1"/>
+          </a:fontRef>
+        </p:style>
+        <p:txBody>
+          <a:bodyPr rtlCol="0" anchor="ctr"/>
+          <a:lstStyle/>
+          <a:p>
+            <a:pPr algn="ctr"/>
+            <a:r>
+              <a:rPr lang="en-US" sz="1600" dirty="0">
+                <a:latin typeface="Times" panose="02020603050405020304" pitchFamily="18" charset="0"/>
+                <a:cs typeface="Times" panose="02020603050405020304" pitchFamily="18" charset="0"/>
+              </a:rPr>
+              <a:t>Data necessary</a:t>
+            </a:r>
+          </a:p>
+        </p:txBody>
+      </p:sp>
+      <p:sp>
+        <p:nvSpPr>
+          <p:cNvPr id="41" name="Down Arrow 40"/>
+          <p:cNvSpPr/>
+          <p:nvPr/>
+        </p:nvSpPr>
+        <p:spPr>
+          <a:xfrm>
+            <a:off x="665012" y="3716764"/>
+            <a:ext cx="231777" cy="1015999"/>
+          </a:xfrm>
+          <a:prstGeom prst="downArrow">
+            <a:avLst/>
+          </a:prstGeom>
+        </p:spPr>
+        <p:style>
+          <a:lnRef idx="2">
+            <a:schemeClr val="accent3">
+              <a:shade val="50000"/>
+            </a:schemeClr>
+          </a:lnRef>
+          <a:fillRef idx="1">
+            <a:schemeClr val="accent3"/>
+          </a:fillRef>
+          <a:effectRef idx="0">
+            <a:schemeClr val="accent3"/>
+          </a:effectRef>
+          <a:fontRef idx="minor">
+            <a:schemeClr val="lt1"/>
+          </a:fontRef>
+        </p:style>
+        <p:txBody>
+          <a:bodyPr rtlCol="0" anchor="ctr"/>
+          <a:lstStyle/>
+          <a:p>
+            <a:pPr algn="ctr"/>
+            <a:endParaRPr lang="en-US"/>
+          </a:p>
+        </p:txBody>
+      </p:sp>
+      <p:sp>
+        <p:nvSpPr>
+          <p:cNvPr id="42" name="Down Arrow 41"/>
+          <p:cNvSpPr/>
+          <p:nvPr/>
+        </p:nvSpPr>
+        <p:spPr>
+          <a:xfrm>
+            <a:off x="2735977" y="3716764"/>
+            <a:ext cx="231777" cy="1015999"/>
+          </a:xfrm>
+          <a:prstGeom prst="downArrow">
+            <a:avLst/>
+          </a:prstGeom>
+        </p:spPr>
+        <p:style>
+          <a:lnRef idx="2">
+            <a:schemeClr val="accent3">
+              <a:shade val="50000"/>
+            </a:schemeClr>
+          </a:lnRef>
+          <a:fillRef idx="1">
+            <a:schemeClr val="accent3"/>
+          </a:fillRef>
+          <a:effectRef idx="0">
+            <a:schemeClr val="accent3"/>
+          </a:effectRef>
+          <a:fontRef idx="minor">
+            <a:schemeClr val="lt1"/>
+          </a:fontRef>
+        </p:style>
+        <p:txBody>
+          <a:bodyPr rtlCol="0" anchor="ctr"/>
+          <a:lstStyle/>
+          <a:p>
+            <a:pPr algn="ctr"/>
+            <a:endParaRPr lang="en-US"/>
+          </a:p>
+        </p:txBody>
+      </p:sp>
+      <p:sp>
+        <p:nvSpPr>
+          <p:cNvPr id="43" name="Down Arrow 42"/>
+          <p:cNvSpPr/>
+          <p:nvPr/>
+        </p:nvSpPr>
+        <p:spPr>
+          <a:xfrm>
+            <a:off x="5313352" y="3716764"/>
+            <a:ext cx="231777" cy="1015999"/>
+          </a:xfrm>
+          <a:prstGeom prst="downArrow">
+            <a:avLst/>
+          </a:prstGeom>
+        </p:spPr>
+        <p:style>
+          <a:lnRef idx="2">
+            <a:schemeClr val="accent3">
+              <a:shade val="50000"/>
+            </a:schemeClr>
+          </a:lnRef>
+          <a:fillRef idx="1">
+            <a:schemeClr val="accent3"/>
+          </a:fillRef>
+          <a:effectRef idx="0">
+            <a:schemeClr val="accent3"/>
+          </a:effectRef>
+          <a:fontRef idx="minor">
+            <a:schemeClr val="lt1"/>
+          </a:fontRef>
+        </p:style>
+        <p:txBody>
+          <a:bodyPr rtlCol="0" anchor="ctr"/>
+          <a:lstStyle/>
+          <a:p>
+            <a:pPr algn="ctr"/>
+            <a:endParaRPr lang="en-US"/>
+          </a:p>
+        </p:txBody>
+      </p:sp>
+      <p:sp>
+        <p:nvSpPr>
+          <p:cNvPr id="44" name="Down Arrow 43"/>
+          <p:cNvSpPr/>
+          <p:nvPr/>
+        </p:nvSpPr>
+        <p:spPr>
+          <a:xfrm>
+            <a:off x="8281369" y="3716764"/>
+            <a:ext cx="231777" cy="1015999"/>
+          </a:xfrm>
+          <a:prstGeom prst="downArrow">
+            <a:avLst/>
+          </a:prstGeom>
+        </p:spPr>
+        <p:style>
+          <a:lnRef idx="2">
+            <a:schemeClr val="accent3">
+              <a:shade val="50000"/>
+            </a:schemeClr>
+          </a:lnRef>
+          <a:fillRef idx="1">
+            <a:schemeClr val="accent3"/>
+          </a:fillRef>
+          <a:effectRef idx="0">
+            <a:schemeClr val="accent3"/>
+          </a:effectRef>
+          <a:fontRef idx="minor">
+            <a:schemeClr val="lt1"/>
+          </a:fontRef>
+        </p:style>
+        <p:txBody>
+          <a:bodyPr rtlCol="0" anchor="ctr"/>
+          <a:lstStyle/>
+          <a:p>
+            <a:pPr algn="ctr"/>
+            <a:endParaRPr lang="en-US"/>
           </a:p>
         </p:txBody>
       </p:sp>
     </p:spTree>
     <p:extLst>
       <p:ext uri="{BB962C8B-B14F-4D97-AF65-F5344CB8AC3E}">
-        <p14:creationId xmlns:p14="http://schemas.microsoft.com/office/powerpoint/2010/main" val="1719428203"/>
+        <p14:creationId xmlns:p14="http://schemas.microsoft.com/office/powerpoint/2010/main" val="2797761168"/>
+      </p:ext>
+    </p:extLst>
+  </p:cSld>
+  <p:clrMapOvr>
+    <a:masterClrMapping/>
+  </p:clrMapOvr>
+  <p:timing>
+    <p:tnLst>
+      <p:par>
+        <p:cTn id="1" dur="indefinite" restart="never" nodeType="tmRoot"/>
+      </p:par>
+    </p:tnLst>
+  </p:timing>
+</p:sld>
+</file>
+
+<file path=ppt/slides/slide9.xml><?xml version="1.0" encoding="utf-8"?>
+<p:sld xmlns:a="http://schemas.openxmlformats.org/drawingml/2006/main" xmlns:r="http://schemas.openxmlformats.org/officeDocument/2006/relationships" xmlns:p="http://schemas.openxmlformats.org/presentationml/2006/main">
+  <p:cSld>
+    <p:spTree>
+      <p:nvGrpSpPr>
+        <p:cNvPr id="1" name=""/>
+        <p:cNvGrpSpPr/>
+        <p:nvPr/>
+      </p:nvGrpSpPr>
+      <p:grpSpPr>
+        <a:xfrm>
+          <a:off x="0" y="0"/>
+          <a:ext cx="0" cy="0"/>
+          <a:chOff x="0" y="0"/>
+          <a:chExt cx="0" cy="0"/>
+        </a:xfrm>
+      </p:grpSpPr>
+      <p:pic>
+        <p:nvPicPr>
+          <p:cNvPr id="4" name="Picture 3"/>
+          <p:cNvPicPr>
+            <a:picLocks noChangeAspect="1"/>
+          </p:cNvPicPr>
+          <p:nvPr/>
+        </p:nvPicPr>
+        <p:blipFill>
+          <a:blip r:embed="rId2">
+            <a:extLst>
+              <a:ext uri="{28A0092B-C50C-407E-A947-70E740481C1C}">
+                <a14:useLocalDpi xmlns:a14="http://schemas.microsoft.com/office/drawing/2010/main" val="0"/>
+              </a:ext>
+            </a:extLst>
+          </a:blip>
+          <a:stretch>
+            <a:fillRect/>
+          </a:stretch>
+        </p:blipFill>
+        <p:spPr>
+          <a:xfrm>
+            <a:off x="258619" y="1376218"/>
+            <a:ext cx="11822544" cy="5366327"/>
+          </a:xfrm>
+          <a:prstGeom prst="rect">
+            <a:avLst/>
+          </a:prstGeom>
+        </p:spPr>
+      </p:pic>
+    </p:spTree>
+    <p:extLst>
+      <p:ext uri="{BB962C8B-B14F-4D97-AF65-F5344CB8AC3E}">
+        <p14:creationId xmlns:p14="http://schemas.microsoft.com/office/powerpoint/2010/main" val="947347756"/>
       </p:ext>
     </p:extLst>
   </p:cSld>
